--- a/slides/Simulation - GSFA Autumn Quarterly.pptx
+++ b/slides/Simulation - GSFA Autumn Quarterly.pptx
@@ -31,7 +31,7 @@
     <p:sldId id="388" r:id="rId26"/>
     <p:sldId id="389" r:id="rId27"/>
     <p:sldId id="392" r:id="rId28"/>
-    <p:sldId id="385" r:id="rId29"/>
+    <p:sldId id="406" r:id="rId29"/>
   </p:sldIdLst>
   <p:sldSz cx="12192000" cy="6858000"/>
   <p:notesSz cx="6797675" cy="9928225"/>
@@ -158,12 +158,11 @@
             <p14:sldId id="388"/>
             <p14:sldId id="389"/>
             <p14:sldId id="392"/>
+            <p14:sldId id="406"/>
           </p14:sldIdLst>
         </p14:section>
         <p14:section name="Archive" id="{707A5CD1-6C87-4011-882A-6F7B5BC597A9}">
-          <p14:sldIdLst>
-            <p14:sldId id="385"/>
-          </p14:sldIdLst>
+          <p14:sldIdLst/>
         </p14:section>
       </p14:sectionLst>
     </p:ext>
@@ -216,70 +215,285 @@
 </p188:authorLst>
 </file>
 
-<file path=ppt/comments/modernComment_18F_79196075.xml><?xml version="1.0" encoding="utf-8"?>
-<p188:cmLst xmlns:a="http://schemas.openxmlformats.org/drawingml/2006/main" xmlns:r="http://schemas.openxmlformats.org/officeDocument/2006/relationships" xmlns:p188="http://schemas.microsoft.com/office/powerpoint/2018/8/main">
-  <p188:cm id="{4FF278CB-B72A-4EC7-8630-4827A38C1CB1}" authorId="{07D0887C-5DC3-ADC0-D8B8-6FAA7B846C39}" created="2024-11-11T22:05:38.438">
-    <ac:deMkLst xmlns:ac="http://schemas.microsoft.com/office/drawing/2013/main/command">
-      <pc:docMk xmlns:pc="http://schemas.microsoft.com/office/powerpoint/2013/main/command"/>
-      <pc:sldMk xmlns:pc="http://schemas.microsoft.com/office/powerpoint/2013/main/command" cId="2031706229" sldId="399"/>
-      <ac:spMk id="9" creationId="{49DA6C53-E316-FD84-90B9-014C97126B3C}"/>
-    </ac:deMkLst>
-    <p188:txBody>
-      <a:bodyPr/>
-      <a:lstStyle/>
-      <a:p>
-        <a:r>
-          <a:rPr lang="en-GB"/>
-          <a:t>Is probabilistic a better word to use? </a:t>
-        </a:r>
-      </a:p>
-    </p188:txBody>
-  </p188:cm>
-</p188:cmLst>
+<file path=ppt/revisionInfo.xml><?xml version="1.0" encoding="utf-8"?>
+<p1510:revInfo xmlns:a="http://schemas.openxmlformats.org/drawingml/2006/main" xmlns:r="http://schemas.openxmlformats.org/officeDocument/2006/relationships" xmlns:p1510="http://schemas.microsoft.com/office/powerpoint/2015/10/main">
+  <p1510:revLst>
+    <p1510:client id="{3847FB65-4781-430B-9F37-58FAFB1221C5}" v="25" dt="2024-12-06T11:08:53.397"/>
+  </p1510:revLst>
+</p1510:revInfo>
 </file>
 
-<file path=ppt/comments/modernComment_190_E3B8D0A3.xml><?xml version="1.0" encoding="utf-8"?>
-<p188:cmLst xmlns:a="http://schemas.openxmlformats.org/drawingml/2006/main" xmlns:r="http://schemas.openxmlformats.org/officeDocument/2006/relationships" xmlns:p188="http://schemas.microsoft.com/office/powerpoint/2018/8/main">
-  <p188:cm id="{05EB31C4-9A03-4A8B-812D-E314F3E24FA9}" authorId="{07D0887C-5DC3-ADC0-D8B8-6FAA7B846C39}" created="2024-11-11T20:54:48.513">
-    <pc:sldMkLst xmlns:pc="http://schemas.microsoft.com/office/powerpoint/2013/main/command">
-      <pc:docMk/>
-      <pc:sldMk cId="3820540067" sldId="400"/>
-    </pc:sldMkLst>
-    <p188:txBody>
-      <a:bodyPr/>
-      <a:lstStyle/>
-      <a:p>
-        <a:r>
-          <a:rPr lang="en-GB"/>
-          <a:t>I think this might be more useful up here, before the pros and cons. That way there is a greater understanding of what a simulation and so it might help visualise why the pros are pros and the cons are cons</a:t>
-        </a:r>
-      </a:p>
-    </p188:txBody>
-  </p188:cm>
-</p188:cmLst>
-</file>
-
-<file path=ppt/comments/modernComment_191_559FBA07.xml><?xml version="1.0" encoding="utf-8"?>
-<p188:cmLst xmlns:a="http://schemas.openxmlformats.org/drawingml/2006/main" xmlns:r="http://schemas.openxmlformats.org/officeDocument/2006/relationships" xmlns:p188="http://schemas.microsoft.com/office/powerpoint/2018/8/main">
-  <p188:cm id="{1DA3A9D3-8B8C-4D17-B3ED-9170C0AF8788}" authorId="{07D0887C-5DC3-ADC0-D8B8-6FAA7B846C39}" created="2024-11-11T20:51:43.375">
-    <ac:deMkLst xmlns:ac="http://schemas.microsoft.com/office/drawing/2013/main/command">
-      <pc:docMk xmlns:pc="http://schemas.microsoft.com/office/powerpoint/2013/main/command"/>
-      <pc:sldMk xmlns:pc="http://schemas.microsoft.com/office/powerpoint/2013/main/command" cId="1436531207" sldId="401"/>
-      <ac:spMk id="9" creationId="{D51BA281-5F19-E75C-7CFA-0F232B76776E}"/>
-    </ac:deMkLst>
-    <p188:txBody>
-      <a:bodyPr/>
-      <a:lstStyle/>
-      <a:p>
-        <a:r>
-          <a:rPr lang="en-GB"/>
-          <a:t>Have added the bottom three and adjusted the format to fit them all. 
-We might want to reduce some of these down for ease of reading?</a:t>
-        </a:r>
-      </a:p>
-    </p188:txBody>
-  </p188:cm>
-</p188:cmLst>
+<file path=ppt/changesInfos/changesInfo1.xml><?xml version="1.0" encoding="utf-8"?>
+<pc:chgInfo xmlns:a="http://schemas.openxmlformats.org/drawingml/2006/main" xmlns:r="http://schemas.openxmlformats.org/officeDocument/2006/relationships" xmlns:ac="http://schemas.microsoft.com/office/drawing/2013/main/command" xmlns:pc="http://schemas.microsoft.com/office/powerpoint/2013/main/command">
+  <pc:docChgLst>
+    <pc:chgData name="Tom Perry" userId="e4d62586-662b-4ea8-9a84-72b968c4f9a4" providerId="ADAL" clId="{3847FB65-4781-430B-9F37-58FAFB1221C5}"/>
+    <pc:docChg chg="undo custSel modSld">
+      <pc:chgData name="Tom Perry" userId="e4d62586-662b-4ea8-9a84-72b968c4f9a4" providerId="ADAL" clId="{3847FB65-4781-430B-9F37-58FAFB1221C5}" dt="2024-12-06T15:58:41.112" v="556" actId="2711"/>
+      <pc:docMkLst>
+        <pc:docMk/>
+      </pc:docMkLst>
+      <pc:sldChg chg="addSp delSp modSp mod">
+        <pc:chgData name="Tom Perry" userId="e4d62586-662b-4ea8-9a84-72b968c4f9a4" providerId="ADAL" clId="{3847FB65-4781-430B-9F37-58FAFB1221C5}" dt="2024-12-06T11:03:41.889" v="291" actId="1076"/>
+        <pc:sldMkLst>
+          <pc:docMk/>
+          <pc:sldMk cId="377726160" sldId="387"/>
+        </pc:sldMkLst>
+        <pc:spChg chg="del">
+          <ac:chgData name="Tom Perry" userId="e4d62586-662b-4ea8-9a84-72b968c4f9a4" providerId="ADAL" clId="{3847FB65-4781-430B-9F37-58FAFB1221C5}" dt="2024-12-06T10:26:41.414" v="15" actId="478"/>
+          <ac:spMkLst>
+            <pc:docMk/>
+            <pc:sldMk cId="377726160" sldId="387"/>
+            <ac:spMk id="5" creationId="{490E0C46-7844-F0BA-A07C-FA4F2527EA81}"/>
+          </ac:spMkLst>
+        </pc:spChg>
+        <pc:spChg chg="add">
+          <ac:chgData name="Tom Perry" userId="e4d62586-662b-4ea8-9a84-72b968c4f9a4" providerId="ADAL" clId="{3847FB65-4781-430B-9F37-58FAFB1221C5}" dt="2024-12-06T10:25:58.265" v="1"/>
+          <ac:spMkLst>
+            <pc:docMk/>
+            <pc:sldMk cId="377726160" sldId="387"/>
+            <ac:spMk id="6" creationId="{52B3CA24-F0A5-6B3A-2462-85C4F9D4A655}"/>
+          </ac:spMkLst>
+        </pc:spChg>
+        <pc:spChg chg="mod">
+          <ac:chgData name="Tom Perry" userId="e4d62586-662b-4ea8-9a84-72b968c4f9a4" providerId="ADAL" clId="{3847FB65-4781-430B-9F37-58FAFB1221C5}" dt="2024-12-06T11:01:50.554" v="285" actId="1076"/>
+          <ac:spMkLst>
+            <pc:docMk/>
+            <pc:sldMk cId="377726160" sldId="387"/>
+            <ac:spMk id="8" creationId="{1C8FD358-C95A-AC80-179E-6CD1AFDE0310}"/>
+          </ac:spMkLst>
+        </pc:spChg>
+        <pc:spChg chg="add">
+          <ac:chgData name="Tom Perry" userId="e4d62586-662b-4ea8-9a84-72b968c4f9a4" providerId="ADAL" clId="{3847FB65-4781-430B-9F37-58FAFB1221C5}" dt="2024-12-06T10:26:19.292" v="6"/>
+          <ac:spMkLst>
+            <pc:docMk/>
+            <pc:sldMk cId="377726160" sldId="387"/>
+            <ac:spMk id="9" creationId="{0670E989-AFCE-7EC7-4390-F049FB647BD6}"/>
+          </ac:spMkLst>
+        </pc:spChg>
+        <pc:spChg chg="add del mod">
+          <ac:chgData name="Tom Perry" userId="e4d62586-662b-4ea8-9a84-72b968c4f9a4" providerId="ADAL" clId="{3847FB65-4781-430B-9F37-58FAFB1221C5}" dt="2024-12-06T10:26:51.867" v="18" actId="478"/>
+          <ac:spMkLst>
+            <pc:docMk/>
+            <pc:sldMk cId="377726160" sldId="387"/>
+            <ac:spMk id="12" creationId="{D2720AB6-7BC9-C419-D805-15EF6DB6BC97}"/>
+          </ac:spMkLst>
+        </pc:spChg>
+        <pc:spChg chg="add del">
+          <ac:chgData name="Tom Perry" userId="e4d62586-662b-4ea8-9a84-72b968c4f9a4" providerId="ADAL" clId="{3847FB65-4781-430B-9F37-58FAFB1221C5}" dt="2024-12-06T10:26:51.867" v="18" actId="478"/>
+          <ac:spMkLst>
+            <pc:docMk/>
+            <pc:sldMk cId="377726160" sldId="387"/>
+            <ac:spMk id="13" creationId="{7FFDC42A-5197-AF91-884E-4DC3073E5670}"/>
+          </ac:spMkLst>
+        </pc:spChg>
+        <pc:spChg chg="add mod">
+          <ac:chgData name="Tom Perry" userId="e4d62586-662b-4ea8-9a84-72b968c4f9a4" providerId="ADAL" clId="{3847FB65-4781-430B-9F37-58FAFB1221C5}" dt="2024-12-06T11:01:48.194" v="284"/>
+          <ac:spMkLst>
+            <pc:docMk/>
+            <pc:sldMk cId="377726160" sldId="387"/>
+            <ac:spMk id="14" creationId="{62DC870F-BF50-7ED1-D8EF-232A624481A4}"/>
+          </ac:spMkLst>
+        </pc:spChg>
+        <pc:spChg chg="add">
+          <ac:chgData name="Tom Perry" userId="e4d62586-662b-4ea8-9a84-72b968c4f9a4" providerId="ADAL" clId="{3847FB65-4781-430B-9F37-58FAFB1221C5}" dt="2024-12-06T10:30:34.488" v="246"/>
+          <ac:spMkLst>
+            <pc:docMk/>
+            <pc:sldMk cId="377726160" sldId="387"/>
+            <ac:spMk id="15" creationId="{31749502-C527-114F-88FE-09B81D6F5192}"/>
+          </ac:spMkLst>
+        </pc:spChg>
+        <pc:spChg chg="add">
+          <ac:chgData name="Tom Perry" userId="e4d62586-662b-4ea8-9a84-72b968c4f9a4" providerId="ADAL" clId="{3847FB65-4781-430B-9F37-58FAFB1221C5}" dt="2024-12-06T11:03:33.943" v="287"/>
+          <ac:spMkLst>
+            <pc:docMk/>
+            <pc:sldMk cId="377726160" sldId="387"/>
+            <ac:spMk id="17" creationId="{B5FC70AC-FFDF-FEAA-8622-68043C11DE13}"/>
+          </ac:spMkLst>
+        </pc:spChg>
+        <pc:picChg chg="del">
+          <ac:chgData name="Tom Perry" userId="e4d62586-662b-4ea8-9a84-72b968c4f9a4" providerId="ADAL" clId="{3847FB65-4781-430B-9F37-58FAFB1221C5}" dt="2024-12-06T10:25:55.198" v="0" actId="478"/>
+          <ac:picMkLst>
+            <pc:docMk/>
+            <pc:sldMk cId="377726160" sldId="387"/>
+            <ac:picMk id="4" creationId="{AF58B5F7-FBA4-0AF7-2BB6-EF9C7430A95F}"/>
+          </ac:picMkLst>
+        </pc:picChg>
+        <pc:picChg chg="add del mod">
+          <ac:chgData name="Tom Perry" userId="e4d62586-662b-4ea8-9a84-72b968c4f9a4" providerId="ADAL" clId="{3847FB65-4781-430B-9F37-58FAFB1221C5}" dt="2024-12-06T10:26:03.892" v="5" actId="478"/>
+          <ac:picMkLst>
+            <pc:docMk/>
+            <pc:sldMk cId="377726160" sldId="387"/>
+            <ac:picMk id="7" creationId="{04532CD8-3FB0-9885-2F29-DFAFCDBC7259}"/>
+          </ac:picMkLst>
+        </pc:picChg>
+        <pc:picChg chg="add del mod">
+          <ac:chgData name="Tom Perry" userId="e4d62586-662b-4ea8-9a84-72b968c4f9a4" providerId="ADAL" clId="{3847FB65-4781-430B-9F37-58FAFB1221C5}" dt="2024-12-06T10:26:24.081" v="10" actId="478"/>
+          <ac:picMkLst>
+            <pc:docMk/>
+            <pc:sldMk cId="377726160" sldId="387"/>
+            <ac:picMk id="10" creationId="{396379EF-D517-8F9A-F580-94983C7238F8}"/>
+          </ac:picMkLst>
+        </pc:picChg>
+        <pc:picChg chg="add del mod">
+          <ac:chgData name="Tom Perry" userId="e4d62586-662b-4ea8-9a84-72b968c4f9a4" providerId="ADAL" clId="{3847FB65-4781-430B-9F37-58FAFB1221C5}" dt="2024-12-06T10:29:25.394" v="174" actId="478"/>
+          <ac:picMkLst>
+            <pc:docMk/>
+            <pc:sldMk cId="377726160" sldId="387"/>
+            <ac:picMk id="11" creationId="{C8824A7A-B605-CD64-EE59-C873AE7576F0}"/>
+          </ac:picMkLst>
+        </pc:picChg>
+        <pc:picChg chg="add del mod ord">
+          <ac:chgData name="Tom Perry" userId="e4d62586-662b-4ea8-9a84-72b968c4f9a4" providerId="ADAL" clId="{3847FB65-4781-430B-9F37-58FAFB1221C5}" dt="2024-12-06T11:03:30.860" v="286" actId="478"/>
+          <ac:picMkLst>
+            <pc:docMk/>
+            <pc:sldMk cId="377726160" sldId="387"/>
+            <ac:picMk id="16" creationId="{787F642E-1F00-493B-CDDD-03FA87427F6D}"/>
+          </ac:picMkLst>
+        </pc:picChg>
+        <pc:picChg chg="add mod ord">
+          <ac:chgData name="Tom Perry" userId="e4d62586-662b-4ea8-9a84-72b968c4f9a4" providerId="ADAL" clId="{3847FB65-4781-430B-9F37-58FAFB1221C5}" dt="2024-12-06T11:03:41.889" v="291" actId="1076"/>
+          <ac:picMkLst>
+            <pc:docMk/>
+            <pc:sldMk cId="377726160" sldId="387"/>
+            <ac:picMk id="18" creationId="{CEE3705C-E6CB-89A3-357E-CA22FACA91BE}"/>
+          </ac:picMkLst>
+        </pc:picChg>
+      </pc:sldChg>
+      <pc:sldChg chg="addSp delSp modSp mod">
+        <pc:chgData name="Tom Perry" userId="e4d62586-662b-4ea8-9a84-72b968c4f9a4" providerId="ADAL" clId="{3847FB65-4781-430B-9F37-58FAFB1221C5}" dt="2024-12-06T11:09:02.223" v="515" actId="478"/>
+        <pc:sldMkLst>
+          <pc:docMk/>
+          <pc:sldMk cId="1298276919" sldId="388"/>
+        </pc:sldMkLst>
+        <pc:spChg chg="mod">
+          <ac:chgData name="Tom Perry" userId="e4d62586-662b-4ea8-9a84-72b968c4f9a4" providerId="ADAL" clId="{3847FB65-4781-430B-9F37-58FAFB1221C5}" dt="2024-12-06T10:31:17.839" v="255" actId="20577"/>
+          <ac:spMkLst>
+            <pc:docMk/>
+            <pc:sldMk cId="1298276919" sldId="388"/>
+            <ac:spMk id="4" creationId="{B3837B95-A487-7F08-7206-6D82D5B7464A}"/>
+          </ac:spMkLst>
+        </pc:spChg>
+        <pc:spChg chg="add mod">
+          <ac:chgData name="Tom Perry" userId="e4d62586-662b-4ea8-9a84-72b968c4f9a4" providerId="ADAL" clId="{3847FB65-4781-430B-9F37-58FAFB1221C5}" dt="2024-12-06T11:08:33.591" v="510" actId="14100"/>
+          <ac:spMkLst>
+            <pc:docMk/>
+            <pc:sldMk cId="1298276919" sldId="388"/>
+            <ac:spMk id="6" creationId="{B4AA8A53-F319-6EE9-8387-514F45D244C0}"/>
+          </ac:spMkLst>
+        </pc:spChg>
+        <pc:spChg chg="add">
+          <ac:chgData name="Tom Perry" userId="e4d62586-662b-4ea8-9a84-72b968c4f9a4" providerId="ADAL" clId="{3847FB65-4781-430B-9F37-58FAFB1221C5}" dt="2024-12-06T11:08:51.585" v="511"/>
+          <ac:spMkLst>
+            <pc:docMk/>
+            <pc:sldMk cId="1298276919" sldId="388"/>
+            <ac:spMk id="7" creationId="{C5542EC2-9D28-D8BB-7F3D-DDB49049E9E5}"/>
+          </ac:spMkLst>
+        </pc:spChg>
+        <pc:picChg chg="add del mod">
+          <ac:chgData name="Tom Perry" userId="e4d62586-662b-4ea8-9a84-72b968c4f9a4" providerId="ADAL" clId="{3847FB65-4781-430B-9F37-58FAFB1221C5}" dt="2024-12-06T11:05:48.115" v="294" actId="478"/>
+          <ac:picMkLst>
+            <pc:docMk/>
+            <pc:sldMk cId="1298276919" sldId="388"/>
+            <ac:picMk id="5" creationId="{58478BE6-9DB6-F04B-534A-1B5FE209661B}"/>
+          </ac:picMkLst>
+        </pc:picChg>
+        <pc:picChg chg="add del mod ord">
+          <ac:chgData name="Tom Perry" userId="e4d62586-662b-4ea8-9a84-72b968c4f9a4" providerId="ADAL" clId="{3847FB65-4781-430B-9F37-58FAFB1221C5}" dt="2024-12-06T11:09:02.223" v="515" actId="478"/>
+          <ac:picMkLst>
+            <pc:docMk/>
+            <pc:sldMk cId="1298276919" sldId="388"/>
+            <ac:picMk id="8" creationId="{6340429F-BA98-A469-86A2-102CEA8C0CDE}"/>
+          </ac:picMkLst>
+        </pc:picChg>
+      </pc:sldChg>
+      <pc:sldChg chg="modSp mod">
+        <pc:chgData name="Tom Perry" userId="e4d62586-662b-4ea8-9a84-72b968c4f9a4" providerId="ADAL" clId="{3847FB65-4781-430B-9F37-58FAFB1221C5}" dt="2024-12-06T15:37:41.257" v="554" actId="20577"/>
+        <pc:sldMkLst>
+          <pc:docMk/>
+          <pc:sldMk cId="2331771145" sldId="389"/>
+        </pc:sldMkLst>
+        <pc:spChg chg="mod">
+          <ac:chgData name="Tom Perry" userId="e4d62586-662b-4ea8-9a84-72b968c4f9a4" providerId="ADAL" clId="{3847FB65-4781-430B-9F37-58FAFB1221C5}" dt="2024-12-06T15:37:41.257" v="554" actId="20577"/>
+          <ac:spMkLst>
+            <pc:docMk/>
+            <pc:sldMk cId="2331771145" sldId="389"/>
+            <ac:spMk id="4" creationId="{A88E9FF7-D853-BAB3-69B2-6A9F4B1F061E}"/>
+          </ac:spMkLst>
+        </pc:spChg>
+      </pc:sldChg>
+      <pc:sldChg chg="addSp modSp mod">
+        <pc:chgData name="Tom Perry" userId="e4d62586-662b-4ea8-9a84-72b968c4f9a4" providerId="ADAL" clId="{3847FB65-4781-430B-9F37-58FAFB1221C5}" dt="2024-12-06T11:07:37.089" v="449" actId="1076"/>
+        <pc:sldMkLst>
+          <pc:docMk/>
+          <pc:sldMk cId="1368366983" sldId="403"/>
+        </pc:sldMkLst>
+        <pc:spChg chg="mod">
+          <ac:chgData name="Tom Perry" userId="e4d62586-662b-4ea8-9a84-72b968c4f9a4" providerId="ADAL" clId="{3847FB65-4781-430B-9F37-58FAFB1221C5}" dt="2024-12-06T11:07:37.089" v="449" actId="1076"/>
+          <ac:spMkLst>
+            <pc:docMk/>
+            <pc:sldMk cId="1368366983" sldId="403"/>
+            <ac:spMk id="59" creationId="{DCE10A3E-28FB-FF5A-0C60-860D869E0A59}"/>
+          </ac:spMkLst>
+        </pc:spChg>
+        <pc:spChg chg="mod">
+          <ac:chgData name="Tom Perry" userId="e4d62586-662b-4ea8-9a84-72b968c4f9a4" providerId="ADAL" clId="{3847FB65-4781-430B-9F37-58FAFB1221C5}" dt="2024-12-06T11:07:26.393" v="445" actId="1076"/>
+          <ac:spMkLst>
+            <pc:docMk/>
+            <pc:sldMk cId="1368366983" sldId="403"/>
+            <ac:spMk id="102" creationId="{9A013A03-AE04-6981-4CFC-CA2B4E9D0742}"/>
+          </ac:spMkLst>
+        </pc:spChg>
+        <pc:cxnChg chg="add mod">
+          <ac:chgData name="Tom Perry" userId="e4d62586-662b-4ea8-9a84-72b968c4f9a4" providerId="ADAL" clId="{3847FB65-4781-430B-9F37-58FAFB1221C5}" dt="2024-12-06T11:07:15.607" v="444" actId="208"/>
+          <ac:cxnSpMkLst>
+            <pc:docMk/>
+            <pc:sldMk cId="1368366983" sldId="403"/>
+            <ac:cxnSpMk id="12" creationId="{7732C59B-243F-B401-97FE-A6D93F56336D}"/>
+          </ac:cxnSpMkLst>
+        </pc:cxnChg>
+        <pc:cxnChg chg="add mod">
+          <ac:chgData name="Tom Perry" userId="e4d62586-662b-4ea8-9a84-72b968c4f9a4" providerId="ADAL" clId="{3847FB65-4781-430B-9F37-58FAFB1221C5}" dt="2024-12-06T11:07:31.069" v="448" actId="14100"/>
+          <ac:cxnSpMkLst>
+            <pc:docMk/>
+            <pc:sldMk cId="1368366983" sldId="403"/>
+            <ac:cxnSpMk id="36" creationId="{A41337D8-F89C-894B-32DB-A9BD303078B6}"/>
+          </ac:cxnSpMkLst>
+        </pc:cxnChg>
+        <pc:cxnChg chg="mod">
+          <ac:chgData name="Tom Perry" userId="e4d62586-662b-4ea8-9a84-72b968c4f9a4" providerId="ADAL" clId="{3847FB65-4781-430B-9F37-58FAFB1221C5}" dt="2024-12-06T11:06:46.197" v="437" actId="14100"/>
+          <ac:cxnSpMkLst>
+            <pc:docMk/>
+            <pc:sldMk cId="1368366983" sldId="403"/>
+            <ac:cxnSpMk id="53" creationId="{85035203-395E-1100-0991-D27A869DE837}"/>
+          </ac:cxnSpMkLst>
+        </pc:cxnChg>
+        <pc:cxnChg chg="mod">
+          <ac:chgData name="Tom Perry" userId="e4d62586-662b-4ea8-9a84-72b968c4f9a4" providerId="ADAL" clId="{3847FB65-4781-430B-9F37-58FAFB1221C5}" dt="2024-12-06T11:06:48.163" v="438" actId="14100"/>
+          <ac:cxnSpMkLst>
+            <pc:docMk/>
+            <pc:sldMk cId="1368366983" sldId="403"/>
+            <ac:cxnSpMk id="67" creationId="{0AC2025F-1F6D-02BE-43C1-7DF35956FAEB}"/>
+          </ac:cxnSpMkLst>
+        </pc:cxnChg>
+      </pc:sldChg>
+      <pc:sldChg chg="modSp mod">
+        <pc:chgData name="Tom Perry" userId="e4d62586-662b-4ea8-9a84-72b968c4f9a4" providerId="ADAL" clId="{3847FB65-4781-430B-9F37-58FAFB1221C5}" dt="2024-12-06T15:58:41.112" v="556" actId="2711"/>
+        <pc:sldMkLst>
+          <pc:docMk/>
+          <pc:sldMk cId="458645273" sldId="404"/>
+        </pc:sldMkLst>
+        <pc:spChg chg="mod">
+          <ac:chgData name="Tom Perry" userId="e4d62586-662b-4ea8-9a84-72b968c4f9a4" providerId="ADAL" clId="{3847FB65-4781-430B-9F37-58FAFB1221C5}" dt="2024-12-06T15:58:41.112" v="556" actId="2711"/>
+          <ac:spMkLst>
+            <pc:docMk/>
+            <pc:sldMk cId="458645273" sldId="404"/>
+            <ac:spMk id="3" creationId="{FC9659C6-279D-126D-F064-704D26660F99}"/>
+          </ac:spMkLst>
+        </pc:spChg>
+      </pc:sldChg>
+    </pc:docChg>
+  </pc:docChgLst>
+</pc:chgInfo>
 </file>
 
 <file path=ppt/notesMasters/notesMaster1.xml><?xml version="1.0" encoding="utf-8"?>
@@ -364,7 +578,7 @@
           <a:p>
             <a:fld id="{72F73D56-E0E7-4F4F-B1A5-47D6DBB7595B}" type="datetimeFigureOut">
               <a:rPr lang="en-GB" smtClean="0"/>
-              <a:t>04/12/2024</a:t>
+              <a:t>06/12/2024</a:t>
             </a:fld>
             <a:endParaRPr lang="en-GB"/>
           </a:p>
@@ -760,7 +974,19 @@
           <a:bodyPr/>
           <a:lstStyle/>
           <a:p>
+            <a:r>
+              <a:rPr lang="en-GB" dirty="0"/>
+              <a:t>Understanding customer pathways / processes</a:t>
+            </a:r>
+          </a:p>
+          <a:p>
             <a:endParaRPr lang="en-GB" dirty="0"/>
+          </a:p>
+          <a:p>
+            <a:r>
+              <a:rPr lang="en-GB" dirty="0"/>
+              <a:t>Backlogs / bottlenecks / improving flow through the system</a:t>
+            </a:r>
           </a:p>
         </p:txBody>
       </p:sp>
@@ -781,7 +1007,7 @@
           <a:p>
             <a:fld id="{DB7D26D8-9B7B-45A3-A52A-5E8079405675}" type="slidenum">
               <a:rPr lang="en-GB" smtClean="0"/>
-              <a:t>6</a:t>
+              <a:t>4</a:t>
             </a:fld>
             <a:endParaRPr lang="en-GB"/>
           </a:p>
@@ -790,7 +1016,7 @@
     </p:spTree>
     <p:extLst>
       <p:ext uri="{BB962C8B-B14F-4D97-AF65-F5344CB8AC3E}">
-        <p14:creationId xmlns:p14="http://schemas.microsoft.com/office/powerpoint/2010/main" val="1370087829"/>
+        <p14:creationId xmlns:p14="http://schemas.microsoft.com/office/powerpoint/2010/main" val="934090439"/>
       </p:ext>
     </p:extLst>
   </p:cSld>
@@ -844,75 +1070,6 @@
           <a:bodyPr/>
           <a:lstStyle/>
           <a:p>
-            <a:pPr marL="0" marR="0" lvl="0" indent="0" algn="l" defTabSz="914400" rtl="0" eaLnBrk="1" fontAlgn="auto" latinLnBrk="0" hangingPunct="1">
-              <a:lnSpc>
-                <a:spcPct val="100000"/>
-              </a:lnSpc>
-              <a:spcBef>
-                <a:spcPts val="0"/>
-              </a:spcBef>
-              <a:spcAft>
-                <a:spcPts val="0"/>
-              </a:spcAft>
-              <a:buClrTx/>
-              <a:buSzTx/>
-              <a:buFontTx/>
-              <a:buNone/>
-              <a:tabLst/>
-              <a:defRPr/>
-            </a:pPr>
-            <a:r>
-              <a:rPr lang="en-US" sz="1200" dirty="0">
-                <a:latin typeface="+mn-lt"/>
-              </a:rPr>
-              <a:t>A type of computational algorithm which uses repeated random sampling to obtain the likelihood of a range of results occurring.</a:t>
-            </a:r>
-          </a:p>
-          <a:p>
-            <a:endParaRPr lang="en-GB" dirty="0"/>
-          </a:p>
-          <a:p>
-            <a:endParaRPr lang="en-GB" dirty="0"/>
-          </a:p>
-          <a:p>
-            <a:endParaRPr lang="en-GB" dirty="0"/>
-          </a:p>
-          <a:p>
-            <a:pPr marL="0" marR="0" lvl="0" indent="0" algn="l" defTabSz="914400" rtl="0" eaLnBrk="1" fontAlgn="auto" latinLnBrk="0" hangingPunct="1">
-              <a:lnSpc>
-                <a:spcPct val="100000"/>
-              </a:lnSpc>
-              <a:spcBef>
-                <a:spcPts val="0"/>
-              </a:spcBef>
-              <a:spcAft>
-                <a:spcPts val="0"/>
-              </a:spcAft>
-              <a:buClrTx/>
-              <a:buSzTx/>
-              <a:buFontTx/>
-              <a:buNone/>
-              <a:tabLst/>
-              <a:defRPr/>
-            </a:pPr>
-            <a:r>
-              <a:rPr lang="en-GB" sz="1200" b="0" i="0" dirty="0">
-                <a:solidFill>
-                  <a:schemeClr val="tx1"/>
-                </a:solidFill>
-                <a:effectLst/>
-                <a:latin typeface="+mn-lt"/>
-              </a:rPr>
-              <a:t>One simple example of a Monte Carlo Simulation is to consider calculating the probability of rolling two standard dice. There are 36 combinations of dice rolls. Based on this, you can manually compute the probability of a particular outcome. Using a Monte Carlo Simulation, you can simulate rolling the dice 10,000 times (or more) to achieve more accurate predictions.</a:t>
-            </a:r>
-            <a:endParaRPr lang="en-US" sz="1200" dirty="0">
-              <a:solidFill>
-                <a:schemeClr val="tx1"/>
-              </a:solidFill>
-              <a:latin typeface="+mn-lt"/>
-            </a:endParaRPr>
-          </a:p>
-          <a:p>
             <a:endParaRPr lang="en-GB" dirty="0"/>
           </a:p>
         </p:txBody>
@@ -934,7 +1091,7 @@
           <a:p>
             <a:fld id="{DB7D26D8-9B7B-45A3-A52A-5E8079405675}" type="slidenum">
               <a:rPr lang="en-GB" smtClean="0"/>
-              <a:t>9</a:t>
+              <a:t>6</a:t>
             </a:fld>
             <a:endParaRPr lang="en-GB"/>
           </a:p>
@@ -943,7 +1100,7 @@
     </p:spTree>
     <p:extLst>
       <p:ext uri="{BB962C8B-B14F-4D97-AF65-F5344CB8AC3E}">
-        <p14:creationId xmlns:p14="http://schemas.microsoft.com/office/powerpoint/2010/main" val="3210989350"/>
+        <p14:creationId xmlns:p14="http://schemas.microsoft.com/office/powerpoint/2010/main" val="1370087829"/>
       </p:ext>
     </p:extLst>
   </p:cSld>
@@ -997,10 +1154,76 @@
           <a:bodyPr/>
           <a:lstStyle/>
           <a:p>
-            <a:r>
-              <a:rPr lang="en-GB" dirty="0"/>
-              <a:t>Visual software like Simul8 often used for DES, where activities and queues can be seen in order</a:t>
-            </a:r>
+            <a:pPr marL="0" marR="0" lvl="0" indent="0" algn="l" defTabSz="914400" rtl="0" eaLnBrk="1" fontAlgn="auto" latinLnBrk="0" hangingPunct="1">
+              <a:lnSpc>
+                <a:spcPct val="100000"/>
+              </a:lnSpc>
+              <a:spcBef>
+                <a:spcPts val="0"/>
+              </a:spcBef>
+              <a:spcAft>
+                <a:spcPts val="0"/>
+              </a:spcAft>
+              <a:buClrTx/>
+              <a:buSzTx/>
+              <a:buFontTx/>
+              <a:buNone/>
+              <a:tabLst/>
+              <a:defRPr/>
+            </a:pPr>
+            <a:r>
+              <a:rPr lang="en-US" sz="1200" dirty="0">
+                <a:latin typeface="+mn-lt"/>
+              </a:rPr>
+              <a:t>A type of computational algorithm which uses repeated random sampling to obtain the likelihood of a range of results occurring.</a:t>
+            </a:r>
+          </a:p>
+          <a:p>
+            <a:endParaRPr lang="en-GB" dirty="0"/>
+          </a:p>
+          <a:p>
+            <a:endParaRPr lang="en-GB" dirty="0"/>
+          </a:p>
+          <a:p>
+            <a:endParaRPr lang="en-GB" dirty="0"/>
+          </a:p>
+          <a:p>
+            <a:pPr marL="0" marR="0" lvl="0" indent="0" algn="l" defTabSz="914400" rtl="0" eaLnBrk="1" fontAlgn="auto" latinLnBrk="0" hangingPunct="1">
+              <a:lnSpc>
+                <a:spcPct val="100000"/>
+              </a:lnSpc>
+              <a:spcBef>
+                <a:spcPts val="0"/>
+              </a:spcBef>
+              <a:spcAft>
+                <a:spcPts val="0"/>
+              </a:spcAft>
+              <a:buClrTx/>
+              <a:buSzTx/>
+              <a:buFontTx/>
+              <a:buNone/>
+              <a:tabLst/>
+              <a:defRPr/>
+            </a:pPr>
+            <a:r>
+              <a:rPr lang="en-GB" sz="1200" b="0" i="0" dirty="0">
+                <a:solidFill>
+                  <a:schemeClr val="tx1"/>
+                </a:solidFill>
+                <a:effectLst/>
+                <a:latin typeface="+mn-lt"/>
+              </a:rPr>
+              <a:t>One simple example of a Monte Carlo Simulation is to consider calculating the probability of rolling two standard dice. There are 36 combinations of dice rolls. Based on this, you can manually compute the probability of a particular outcome. Using a Monte Carlo Simulation, you can simulate rolling the dice 10,000 times (or more) to achieve more accurate predictions.</a:t>
+            </a:r>
+            <a:endParaRPr lang="en-US" sz="1200" dirty="0">
+              <a:solidFill>
+                <a:schemeClr val="tx1"/>
+              </a:solidFill>
+              <a:latin typeface="+mn-lt"/>
+            </a:endParaRPr>
+          </a:p>
+          <a:p>
+            <a:endParaRPr lang="en-GB" dirty="0"/>
           </a:p>
         </p:txBody>
       </p:sp>
@@ -1021,7 +1244,7 @@
           <a:p>
             <a:fld id="{DB7D26D8-9B7B-45A3-A52A-5E8079405675}" type="slidenum">
               <a:rPr lang="en-GB" smtClean="0"/>
-              <a:t>11</a:t>
+              <a:t>9</a:t>
             </a:fld>
             <a:endParaRPr lang="en-GB"/>
           </a:p>
@@ -1030,7 +1253,7 @@
     </p:spTree>
     <p:extLst>
       <p:ext uri="{BB962C8B-B14F-4D97-AF65-F5344CB8AC3E}">
-        <p14:creationId xmlns:p14="http://schemas.microsoft.com/office/powerpoint/2010/main" val="2417390128"/>
+        <p14:creationId xmlns:p14="http://schemas.microsoft.com/office/powerpoint/2010/main" val="3210989350"/>
       </p:ext>
     </p:extLst>
   </p:cSld>
@@ -1084,6 +1307,93 @@
           <a:bodyPr/>
           <a:lstStyle/>
           <a:p>
+            <a:r>
+              <a:rPr lang="en-GB" dirty="0"/>
+              <a:t>Visual software like Simul8 often used for DES, where activities and queues can be seen in order</a:t>
+            </a:r>
+          </a:p>
+        </p:txBody>
+      </p:sp>
+      <p:sp>
+        <p:nvSpPr>
+          <p:cNvPr id="4" name="Slide Number Placeholder 3"/>
+          <p:cNvSpPr>
+            <a:spLocks noGrp="1"/>
+          </p:cNvSpPr>
+          <p:nvPr>
+            <p:ph type="sldNum" sz="quarter" idx="5"/>
+          </p:nvPr>
+        </p:nvSpPr>
+        <p:spPr/>
+        <p:txBody>
+          <a:bodyPr/>
+          <a:lstStyle/>
+          <a:p>
+            <a:fld id="{DB7D26D8-9B7B-45A3-A52A-5E8079405675}" type="slidenum">
+              <a:rPr lang="en-GB" smtClean="0"/>
+              <a:t>11</a:t>
+            </a:fld>
+            <a:endParaRPr lang="en-GB"/>
+          </a:p>
+        </p:txBody>
+      </p:sp>
+    </p:spTree>
+    <p:extLst>
+      <p:ext uri="{BB962C8B-B14F-4D97-AF65-F5344CB8AC3E}">
+        <p14:creationId xmlns:p14="http://schemas.microsoft.com/office/powerpoint/2010/main" val="2417390128"/>
+      </p:ext>
+    </p:extLst>
+  </p:cSld>
+  <p:clrMapOvr>
+    <a:masterClrMapping/>
+  </p:clrMapOvr>
+</p:notes>
+</file>
+
+<file path=ppt/notesSlides/notesSlide6.xml><?xml version="1.0" encoding="utf-8"?>
+<p:notes xmlns:a="http://schemas.openxmlformats.org/drawingml/2006/main" xmlns:r="http://schemas.openxmlformats.org/officeDocument/2006/relationships" xmlns:p="http://schemas.openxmlformats.org/presentationml/2006/main">
+  <p:cSld>
+    <p:spTree>
+      <p:nvGrpSpPr>
+        <p:cNvPr id="1" name=""/>
+        <p:cNvGrpSpPr/>
+        <p:nvPr/>
+      </p:nvGrpSpPr>
+      <p:grpSpPr>
+        <a:xfrm>
+          <a:off x="0" y="0"/>
+          <a:ext cx="0" cy="0"/>
+          <a:chOff x="0" y="0"/>
+          <a:chExt cx="0" cy="0"/>
+        </a:xfrm>
+      </p:grpSpPr>
+      <p:sp>
+        <p:nvSpPr>
+          <p:cNvPr id="2" name="Slide Image Placeholder 1"/>
+          <p:cNvSpPr>
+            <a:spLocks noGrp="1" noRot="1" noChangeAspect="1"/>
+          </p:cNvSpPr>
+          <p:nvPr>
+            <p:ph type="sldImg"/>
+          </p:nvPr>
+        </p:nvSpPr>
+        <p:spPr/>
+      </p:sp>
+      <p:sp>
+        <p:nvSpPr>
+          <p:cNvPr id="3" name="Notes Placeholder 2"/>
+          <p:cNvSpPr>
+            <a:spLocks noGrp="1"/>
+          </p:cNvSpPr>
+          <p:nvPr>
+            <p:ph type="body" idx="1"/>
+          </p:nvPr>
+        </p:nvSpPr>
+        <p:spPr/>
+        <p:txBody>
+          <a:bodyPr/>
+          <a:lstStyle/>
+          <a:p>
             <a:pPr marL="0" marR="0" lvl="0" indent="0" algn="l" defTabSz="914400" rtl="0" eaLnBrk="1" fontAlgn="auto" latinLnBrk="0" hangingPunct="1">
               <a:lnSpc>
                 <a:spcPct val="100000"/>
@@ -1153,7 +1463,7 @@
 </p:notes>
 </file>
 
-<file path=ppt/notesSlides/notesSlide6.xml><?xml version="1.0" encoding="utf-8"?>
+<file path=ppt/notesSlides/notesSlide7.xml><?xml version="1.0" encoding="utf-8"?>
 <p:notes xmlns:a="http://schemas.openxmlformats.org/drawingml/2006/main" xmlns:r="http://schemas.openxmlformats.org/officeDocument/2006/relationships" xmlns:p="http://schemas.openxmlformats.org/presentationml/2006/main">
   <p:cSld>
     <p:spTree>
@@ -15618,6 +15928,76 @@
           </a:p>
         </p:txBody>
       </p:sp>
+      <p:sp>
+        <p:nvSpPr>
+          <p:cNvPr id="3" name="TextBox 2">
+            <a:extLst>
+              <a:ext uri="{FF2B5EF4-FFF2-40B4-BE49-F238E27FC236}">
+                <a16:creationId xmlns:a16="http://schemas.microsoft.com/office/drawing/2014/main" id="{644CDBFA-05B3-376A-AF17-DE885070A816}"/>
+              </a:ext>
+            </a:extLst>
+          </p:cNvPr>
+          <p:cNvSpPr txBox="1"/>
+          <p:nvPr/>
+        </p:nvSpPr>
+        <p:spPr>
+          <a:xfrm>
+            <a:off x="797442" y="4210493"/>
+            <a:ext cx="7825563" cy="341632"/>
+          </a:xfrm>
+          <a:prstGeom prst="rect">
+            <a:avLst/>
+          </a:prstGeom>
+        </p:spPr>
+        <p:txBody>
+          <a:bodyPr wrap="square" rtlCol="0" anchor="t">
+            <a:spAutoFit/>
+          </a:bodyPr>
+          <a:lstStyle/>
+          <a:p>
+            <a:pPr marL="0" marR="0" indent="0" defTabSz="914400" rtl="0" eaLnBrk="1" fontAlgn="auto" latinLnBrk="0" hangingPunct="1">
+              <a:lnSpc>
+                <a:spcPct val="90000"/>
+              </a:lnSpc>
+              <a:spcBef>
+                <a:spcPts val="1000"/>
+              </a:spcBef>
+              <a:spcAft>
+                <a:spcPts val="0"/>
+              </a:spcAft>
+              <a:buClrTx/>
+              <a:buSzTx/>
+              <a:buFont typeface="Arial" panose="020B0604020202020204" pitchFamily="34" charset="0"/>
+              <a:buNone/>
+              <a:tabLst/>
+            </a:pPr>
+            <a:r>
+              <a:rPr lang="en-GB" dirty="0">
+                <a:solidFill>
+                  <a:schemeClr val="bg1"/>
+                </a:solidFill>
+                <a:latin typeface="Arial" panose="020B0604020202020204"/>
+                <a:cs typeface="Arial" panose="020B0604020202020204" pitchFamily="34" charset="0"/>
+              </a:rPr>
+              <a:t>Tom Perry, Dugald Hepburn &amp; Caitlin Mitchell</a:t>
+            </a:r>
+            <a:endParaRPr kumimoji="0" lang="en-GB" sz="1800" i="0" u="none" strike="noStrike" kern="1200" cap="none" spc="0" normalizeH="0" baseline="0" noProof="0" dirty="0">
+              <a:ln>
+                <a:noFill/>
+              </a:ln>
+              <a:solidFill>
+                <a:schemeClr val="bg1"/>
+              </a:solidFill>
+              <a:effectLst/>
+              <a:uLnTx/>
+              <a:uFillTx/>
+              <a:latin typeface="Arial" panose="020B0604020202020204"/>
+              <a:ea typeface="+mn-ea"/>
+              <a:cs typeface="Arial" panose="020B0604020202020204" pitchFamily="34" charset="0"/>
+            </a:endParaRPr>
+          </a:p>
+        </p:txBody>
+      </p:sp>
     </p:spTree>
     <p:custDataLst>
       <p:tags r:id="rId1"/>
@@ -16973,8 +17353,8 @@
         </p:nvSpPr>
         <p:spPr>
           <a:xfrm>
-            <a:off x="627603" y="1597674"/>
-            <a:ext cx="7145078" cy="4611519"/>
+            <a:off x="627603" y="1459175"/>
+            <a:ext cx="7145078" cy="4888518"/>
           </a:xfrm>
           <a:prstGeom prst="rect">
             <a:avLst/>
@@ -17142,7 +17522,7 @@
                 <a:latin typeface="Arial" panose="020B0604020202020204"/>
                 <a:cs typeface="Arial" panose="020B0604020202020204" pitchFamily="34" charset="0"/>
               </a:rPr>
-              <a:t>Simple application: modelling how the behaviour of each individual fish creates the seemingly organised and unpredictable movements of the shoal</a:t>
+              <a:t>Simple application: modelling how the behaviour of each individual fish creates the seemingly organised and unpredictable movements of the shoal, or how the behaviour of each individual in a market creates trends</a:t>
             </a:r>
           </a:p>
           <a:p>
@@ -17590,21 +17970,27 @@
               <a:buChar char="•"/>
             </a:pPr>
             <a:r>
-              <a:rPr lang="en-GB" dirty="0"/>
+              <a:rPr lang="en-GB" dirty="0">
+                <a:latin typeface="+mn-lt"/>
+              </a:rPr>
               <a:t>Simulation allows us to forecast what might happen:</a:t>
             </a:r>
           </a:p>
           <a:p>
             <a:pPr marL="971550" lvl="1" indent="-285750"/>
             <a:r>
-              <a:rPr lang="en-GB" dirty="0"/>
+              <a:rPr lang="en-GB" dirty="0">
+                <a:latin typeface="+mn-lt"/>
+              </a:rPr>
               <a:t>Under the status quo – with the current backlog and trends of the court system</a:t>
             </a:r>
           </a:p>
           <a:p>
             <a:pPr marL="971550" lvl="1" indent="-285750"/>
             <a:r>
-              <a:rPr lang="en-GB" dirty="0"/>
+              <a:rPr lang="en-GB" dirty="0">
+                <a:latin typeface="+mn-lt"/>
+              </a:rPr>
               <a:t>If changes are made to the system, in scenario analysis</a:t>
             </a:r>
           </a:p>
@@ -17612,7 +17998,9 @@
             <a:pPr lvl="1" indent="0">
               <a:buNone/>
             </a:pPr>
-            <a:endParaRPr lang="en-GB" dirty="0"/>
+            <a:endParaRPr lang="en-GB" dirty="0">
+              <a:latin typeface="+mn-lt"/>
+            </a:endParaRPr>
           </a:p>
           <a:p>
             <a:pPr marL="285750" indent="-285750">
@@ -17620,21 +18008,27 @@
               <a:buChar char="•"/>
             </a:pPr>
             <a:r>
-              <a:rPr lang="en-GB" dirty="0"/>
+              <a:rPr lang="en-GB" dirty="0">
+                <a:latin typeface="+mn-lt"/>
+              </a:rPr>
               <a:t>We can then answer distributional questions</a:t>
             </a:r>
           </a:p>
           <a:p>
             <a:pPr marL="971550" lvl="1" indent="-285750"/>
             <a:r>
-              <a:rPr lang="en-GB" dirty="0"/>
+              <a:rPr lang="en-GB" dirty="0">
+                <a:latin typeface="+mn-lt"/>
+              </a:rPr>
               <a:t>“What % of cases will have a wait time &gt;6 months?”</a:t>
             </a:r>
           </a:p>
           <a:p>
             <a:pPr marL="971550" lvl="1" indent="-285750"/>
             <a:r>
-              <a:rPr lang="en-GB" dirty="0"/>
+              <a:rPr lang="en-GB" dirty="0">
+                <a:latin typeface="+mn-lt"/>
+              </a:rPr>
               <a:t>“How would adding X extra Crown Court rooms impact the backlog?”</a:t>
             </a:r>
           </a:p>
@@ -17644,12 +18038,16 @@
               <a:buChar char="•"/>
             </a:pPr>
             <a:r>
-              <a:rPr lang="en-GB" dirty="0"/>
+              <a:rPr lang="en-GB" dirty="0">
+                <a:latin typeface="+mn-lt"/>
+              </a:rPr>
               <a:t>Representing the process visually allows a detailed understanding of its different stages and where backlogs develop from</a:t>
             </a:r>
           </a:p>
           <a:p>
-            <a:endParaRPr lang="en-GB" dirty="0"/>
+            <a:endParaRPr lang="en-GB" dirty="0">
+              <a:latin typeface="+mn-lt"/>
+            </a:endParaRPr>
           </a:p>
         </p:txBody>
       </p:sp>
@@ -22907,7 +23305,7 @@
         </p:nvSpPr>
         <p:spPr>
           <a:xfrm>
-            <a:off x="7439159" y="3857909"/>
+            <a:off x="7473706" y="3166313"/>
             <a:ext cx="1538891" cy="796991"/>
           </a:xfrm>
           <a:prstGeom prst="rect">
@@ -22971,7 +23369,7 @@
         </p:nvSpPr>
         <p:spPr>
           <a:xfrm>
-            <a:off x="9428471" y="3919959"/>
+            <a:off x="9463018" y="3228363"/>
             <a:ext cx="1118784" cy="639266"/>
           </a:xfrm>
           <a:prstGeom prst="rect">
@@ -23020,7 +23418,7 @@
         </p:nvSpPr>
         <p:spPr>
           <a:xfrm>
-            <a:off x="10997677" y="3919959"/>
+            <a:off x="11032224" y="3228363"/>
             <a:ext cx="1118784" cy="639266"/>
           </a:xfrm>
           <a:prstGeom prst="rect">
@@ -23403,7 +23801,7 @@
         <p:spPr>
           <a:xfrm>
             <a:off x="3646157" y="3547996"/>
-            <a:ext cx="3793002" cy="708409"/>
+            <a:ext cx="3827549" cy="16813"/>
           </a:xfrm>
           <a:prstGeom prst="straightConnector1">
             <a:avLst/>
@@ -23445,8 +23843,8 @@
         </p:nvCxnSpPr>
         <p:spPr>
           <a:xfrm flipV="1">
-            <a:off x="3646157" y="4256405"/>
-            <a:ext cx="3793002" cy="862398"/>
+            <a:off x="3646157" y="3564809"/>
+            <a:ext cx="3827549" cy="1553994"/>
           </a:xfrm>
           <a:prstGeom prst="straightConnector1">
             <a:avLst/>
@@ -23527,7 +23925,7 @@
         </p:nvSpPr>
         <p:spPr>
           <a:xfrm>
-            <a:off x="3662014" y="4618195"/>
+            <a:off x="4469822" y="4784688"/>
             <a:ext cx="922816" cy="253916"/>
           </a:xfrm>
           <a:prstGeom prst="rect">
@@ -23659,7 +24057,7 @@
         <p:spPr>
           <a:xfrm>
             <a:off x="5964753" y="3083134"/>
-            <a:ext cx="1474406" cy="1173271"/>
+            <a:ext cx="1508953" cy="481675"/>
           </a:xfrm>
           <a:prstGeom prst="straightConnector1">
             <a:avLst/>
@@ -23701,8 +24099,8 @@
         </p:nvCxnSpPr>
         <p:spPr>
           <a:xfrm flipV="1">
-            <a:off x="5964753" y="4256405"/>
-            <a:ext cx="1474406" cy="1506007"/>
+            <a:off x="5964753" y="3564809"/>
+            <a:ext cx="1508953" cy="2197603"/>
           </a:xfrm>
           <a:prstGeom prst="straightConnector1">
             <a:avLst/>
@@ -23787,7 +24185,7 @@
         </p:nvCxnSpPr>
         <p:spPr>
           <a:xfrm flipV="1">
-            <a:off x="8978050" y="4239592"/>
+            <a:off x="9012597" y="3547996"/>
             <a:ext cx="450421" cy="16813"/>
           </a:xfrm>
           <a:prstGeom prst="straightConnector1">
@@ -23830,7 +24228,7 @@
         </p:nvCxnSpPr>
         <p:spPr>
           <a:xfrm>
-            <a:off x="10547255" y="4239592"/>
+            <a:off x="10581802" y="3547996"/>
             <a:ext cx="450422" cy="0"/>
           </a:xfrm>
           <a:prstGeom prst="straightConnector1">
@@ -23869,7 +24267,7 @@
         </p:nvSpPr>
         <p:spPr>
           <a:xfrm>
-            <a:off x="6120225" y="2483253"/>
+            <a:off x="6484579" y="2494610"/>
             <a:ext cx="787082" cy="415498"/>
           </a:xfrm>
           <a:prstGeom prst="rect">
@@ -23911,7 +24309,7 @@
         </p:nvSpPr>
         <p:spPr>
           <a:xfrm>
-            <a:off x="6219217" y="5964155"/>
+            <a:off x="6088433" y="5910393"/>
             <a:ext cx="1020623" cy="415498"/>
           </a:xfrm>
           <a:prstGeom prst="rect">
@@ -23953,7 +24351,7 @@
         </p:nvSpPr>
         <p:spPr>
           <a:xfrm>
-            <a:off x="5825210" y="4960369"/>
+            <a:off x="6655374" y="4541601"/>
             <a:ext cx="788014" cy="415498"/>
           </a:xfrm>
           <a:prstGeom prst="rect">
@@ -23995,7 +24393,7 @@
         </p:nvSpPr>
         <p:spPr>
           <a:xfrm>
-            <a:off x="6078512" y="3603847"/>
+            <a:off x="6013894" y="3201624"/>
             <a:ext cx="616758" cy="415498"/>
           </a:xfrm>
           <a:prstGeom prst="rect">
@@ -24037,7 +24435,7 @@
         </p:nvSpPr>
         <p:spPr>
           <a:xfrm>
-            <a:off x="4808600" y="3412256"/>
+            <a:off x="4819416" y="2410203"/>
             <a:ext cx="1265778" cy="383182"/>
           </a:xfrm>
           <a:prstGeom prst="rect">
@@ -24177,7 +24575,7 @@
         </p:nvSpPr>
         <p:spPr>
           <a:xfrm>
-            <a:off x="7575715" y="4680520"/>
+            <a:off x="7610262" y="4170881"/>
             <a:ext cx="1265778" cy="383182"/>
           </a:xfrm>
           <a:prstGeom prst="rect">
@@ -24247,7 +24645,7 @@
         </p:nvSpPr>
         <p:spPr>
           <a:xfrm>
-            <a:off x="9326231" y="4624258"/>
+            <a:off x="9360778" y="3932662"/>
             <a:ext cx="1381146" cy="383182"/>
           </a:xfrm>
           <a:prstGeom prst="rect">
@@ -24465,6 +24863,422 @@
           </a:p>
         </p:txBody>
       </p:sp>
+      <p:sp>
+        <p:nvSpPr>
+          <p:cNvPr id="14" name="Rectangle 13">
+            <a:extLst>
+              <a:ext uri="{FF2B5EF4-FFF2-40B4-BE49-F238E27FC236}">
+                <a16:creationId xmlns:a16="http://schemas.microsoft.com/office/drawing/2014/main" id="{72456CA8-D68F-C05D-9874-79CEA13FA7CF}"/>
+              </a:ext>
+            </a:extLst>
+          </p:cNvPr>
+          <p:cNvSpPr/>
+          <p:nvPr/>
+        </p:nvSpPr>
+        <p:spPr>
+          <a:xfrm>
+            <a:off x="7447646" y="4601854"/>
+            <a:ext cx="1538891" cy="796991"/>
+          </a:xfrm>
+          <a:prstGeom prst="rect">
+            <a:avLst/>
+          </a:prstGeom>
+        </p:spPr>
+        <p:style>
+          <a:lnRef idx="2">
+            <a:schemeClr val="accent2">
+              <a:shade val="15000"/>
+            </a:schemeClr>
+          </a:lnRef>
+          <a:fillRef idx="1">
+            <a:schemeClr val="accent2"/>
+          </a:fillRef>
+          <a:effectRef idx="0">
+            <a:schemeClr val="accent2"/>
+          </a:effectRef>
+          <a:fontRef idx="minor">
+            <a:schemeClr val="lt1"/>
+          </a:fontRef>
+        </p:style>
+        <p:txBody>
+          <a:bodyPr rtlCol="0" anchor="ctr"/>
+          <a:lstStyle/>
+          <a:p>
+            <a:pPr algn="ctr"/>
+            <a:r>
+              <a:rPr lang="en-GB" sz="1400" b="1" dirty="0">
+                <a:solidFill>
+                  <a:schemeClr val="tx1"/>
+                </a:solidFill>
+              </a:rPr>
+              <a:t>MC sentencing hearing </a:t>
+            </a:r>
+          </a:p>
+          <a:p>
+            <a:pPr algn="ctr"/>
+            <a:r>
+              <a:rPr lang="en-GB" sz="1400" b="1" dirty="0">
+                <a:solidFill>
+                  <a:schemeClr val="tx1"/>
+                </a:solidFill>
+              </a:rPr>
+              <a:t>(MC +1)</a:t>
+            </a:r>
+          </a:p>
+        </p:txBody>
+      </p:sp>
+      <p:sp>
+        <p:nvSpPr>
+          <p:cNvPr id="15" name="Rectangle 14">
+            <a:extLst>
+              <a:ext uri="{FF2B5EF4-FFF2-40B4-BE49-F238E27FC236}">
+                <a16:creationId xmlns:a16="http://schemas.microsoft.com/office/drawing/2014/main" id="{337FFBEF-6FEF-84D0-34EB-175232B099AD}"/>
+              </a:ext>
+            </a:extLst>
+          </p:cNvPr>
+          <p:cNvSpPr/>
+          <p:nvPr/>
+        </p:nvSpPr>
+        <p:spPr>
+          <a:xfrm>
+            <a:off x="9436958" y="4663904"/>
+            <a:ext cx="1118784" cy="639266"/>
+          </a:xfrm>
+          <a:prstGeom prst="rect">
+            <a:avLst/>
+          </a:prstGeom>
+        </p:spPr>
+        <p:style>
+          <a:lnRef idx="2">
+            <a:schemeClr val="accent1">
+              <a:shade val="15000"/>
+            </a:schemeClr>
+          </a:lnRef>
+          <a:fillRef idx="1">
+            <a:schemeClr val="accent1"/>
+          </a:fillRef>
+          <a:effectRef idx="0">
+            <a:schemeClr val="accent1"/>
+          </a:effectRef>
+          <a:fontRef idx="minor">
+            <a:schemeClr val="lt1"/>
+          </a:fontRef>
+        </p:style>
+        <p:txBody>
+          <a:bodyPr rtlCol="0" anchor="ctr"/>
+          <a:lstStyle/>
+          <a:p>
+            <a:pPr algn="ctr"/>
+            <a:r>
+              <a:rPr lang="en-GB" sz="1400" b="1" dirty="0"/>
+              <a:t>Prison sentence assigned</a:t>
+            </a:r>
+          </a:p>
+        </p:txBody>
+      </p:sp>
+      <p:sp>
+        <p:nvSpPr>
+          <p:cNvPr id="16" name="Rectangle 15">
+            <a:extLst>
+              <a:ext uri="{FF2B5EF4-FFF2-40B4-BE49-F238E27FC236}">
+                <a16:creationId xmlns:a16="http://schemas.microsoft.com/office/drawing/2014/main" id="{D9579BEA-72F9-A295-44B3-B13760A34E16}"/>
+              </a:ext>
+            </a:extLst>
+          </p:cNvPr>
+          <p:cNvSpPr/>
+          <p:nvPr/>
+        </p:nvSpPr>
+        <p:spPr>
+          <a:xfrm>
+            <a:off x="11006164" y="4663904"/>
+            <a:ext cx="1118784" cy="639266"/>
+          </a:xfrm>
+          <a:prstGeom prst="rect">
+            <a:avLst/>
+          </a:prstGeom>
+        </p:spPr>
+        <p:style>
+          <a:lnRef idx="2">
+            <a:schemeClr val="accent2">
+              <a:shade val="15000"/>
+            </a:schemeClr>
+          </a:lnRef>
+          <a:fillRef idx="1">
+            <a:schemeClr val="accent2"/>
+          </a:fillRef>
+          <a:effectRef idx="0">
+            <a:schemeClr val="accent2"/>
+          </a:effectRef>
+          <a:fontRef idx="minor">
+            <a:schemeClr val="lt1"/>
+          </a:fontRef>
+        </p:style>
+        <p:txBody>
+          <a:bodyPr rtlCol="0" anchor="ctr"/>
+          <a:lstStyle/>
+          <a:p>
+            <a:pPr algn="ctr"/>
+            <a:r>
+              <a:rPr lang="en-GB" sz="1400" b="1" dirty="0">
+                <a:solidFill>
+                  <a:schemeClr val="tx1"/>
+                </a:solidFill>
+              </a:rPr>
+              <a:t>Prison population +1</a:t>
+            </a:r>
+          </a:p>
+        </p:txBody>
+      </p:sp>
+      <p:cxnSp>
+        <p:nvCxnSpPr>
+          <p:cNvPr id="18" name="Straight Arrow Connector 17">
+            <a:extLst>
+              <a:ext uri="{FF2B5EF4-FFF2-40B4-BE49-F238E27FC236}">
+                <a16:creationId xmlns:a16="http://schemas.microsoft.com/office/drawing/2014/main" id="{8A4A54C9-79F0-E73B-5018-0596F925AC4D}"/>
+              </a:ext>
+            </a:extLst>
+          </p:cNvPr>
+          <p:cNvCxnSpPr>
+            <a:cxnSpLocks/>
+            <a:stCxn id="14" idx="3"/>
+            <a:endCxn id="15" idx="1"/>
+          </p:cNvCxnSpPr>
+          <p:nvPr/>
+        </p:nvCxnSpPr>
+        <p:spPr>
+          <a:xfrm flipV="1">
+            <a:off x="8986537" y="4983537"/>
+            <a:ext cx="450421" cy="16813"/>
+          </a:xfrm>
+          <a:prstGeom prst="straightConnector1">
+            <a:avLst/>
+          </a:prstGeom>
+          <a:ln>
+            <a:tailEnd type="triangle"/>
+          </a:ln>
+        </p:spPr>
+        <p:style>
+          <a:lnRef idx="1">
+            <a:schemeClr val="accent1"/>
+          </a:lnRef>
+          <a:fillRef idx="0">
+            <a:schemeClr val="accent1"/>
+          </a:fillRef>
+          <a:effectRef idx="0">
+            <a:schemeClr val="accent1"/>
+          </a:effectRef>
+          <a:fontRef idx="minor">
+            <a:schemeClr val="tx1"/>
+          </a:fontRef>
+        </p:style>
+      </p:cxnSp>
+      <p:cxnSp>
+        <p:nvCxnSpPr>
+          <p:cNvPr id="29" name="Straight Arrow Connector 28">
+            <a:extLst>
+              <a:ext uri="{FF2B5EF4-FFF2-40B4-BE49-F238E27FC236}">
+                <a16:creationId xmlns:a16="http://schemas.microsoft.com/office/drawing/2014/main" id="{17923D9A-74E8-4F58-555C-A2E48F89A654}"/>
+              </a:ext>
+            </a:extLst>
+          </p:cNvPr>
+          <p:cNvCxnSpPr>
+            <a:cxnSpLocks/>
+            <a:stCxn id="15" idx="3"/>
+            <a:endCxn id="16" idx="1"/>
+          </p:cNvCxnSpPr>
+          <p:nvPr/>
+        </p:nvCxnSpPr>
+        <p:spPr>
+          <a:xfrm>
+            <a:off x="10555742" y="4983537"/>
+            <a:ext cx="450422" cy="0"/>
+          </a:xfrm>
+          <a:prstGeom prst="straightConnector1">
+            <a:avLst/>
+          </a:prstGeom>
+          <a:ln>
+            <a:tailEnd type="triangle"/>
+          </a:ln>
+        </p:spPr>
+        <p:style>
+          <a:lnRef idx="1">
+            <a:schemeClr val="accent1"/>
+          </a:lnRef>
+          <a:fillRef idx="0">
+            <a:schemeClr val="accent1"/>
+          </a:fillRef>
+          <a:effectRef idx="0">
+            <a:schemeClr val="accent1"/>
+          </a:effectRef>
+          <a:fontRef idx="minor">
+            <a:schemeClr val="tx1"/>
+          </a:fontRef>
+        </p:style>
+      </p:cxnSp>
+      <p:sp>
+        <p:nvSpPr>
+          <p:cNvPr id="31" name="TextBox 30">
+            <a:extLst>
+              <a:ext uri="{FF2B5EF4-FFF2-40B4-BE49-F238E27FC236}">
+                <a16:creationId xmlns:a16="http://schemas.microsoft.com/office/drawing/2014/main" id="{67D421BF-AE46-F5A1-09A9-F63AC05E51EF}"/>
+              </a:ext>
+            </a:extLst>
+          </p:cNvPr>
+          <p:cNvSpPr txBox="1"/>
+          <p:nvPr/>
+        </p:nvSpPr>
+        <p:spPr>
+          <a:xfrm>
+            <a:off x="9334718" y="5368203"/>
+            <a:ext cx="1381146" cy="383182"/>
+          </a:xfrm>
+          <a:prstGeom prst="rect">
+            <a:avLst/>
+          </a:prstGeom>
+        </p:spPr>
+        <p:txBody>
+          <a:bodyPr wrap="square" rtlCol="0" anchor="t">
+            <a:spAutoFit/>
+          </a:bodyPr>
+          <a:lstStyle/>
+          <a:p>
+            <a:pPr marL="0" marR="0" indent="0" algn="ctr" defTabSz="914400" rtl="0" eaLnBrk="1" fontAlgn="auto" latinLnBrk="0" hangingPunct="1">
+              <a:lnSpc>
+                <a:spcPct val="90000"/>
+              </a:lnSpc>
+              <a:spcBef>
+                <a:spcPts val="1000"/>
+              </a:spcBef>
+              <a:spcAft>
+                <a:spcPts val="0"/>
+              </a:spcAft>
+              <a:buClrTx/>
+              <a:buSzTx/>
+              <a:buFont typeface="Arial" panose="020B0604020202020204" pitchFamily="34" charset="0"/>
+              <a:buNone/>
+              <a:tabLst/>
+            </a:pPr>
+            <a:r>
+              <a:rPr lang="en-GB" sz="1050" dirty="0">
+                <a:solidFill>
+                  <a:srgbClr val="003379"/>
+                </a:solidFill>
+                <a:latin typeface="Arial" panose="020B0604020202020204"/>
+                <a:cs typeface="Arial" panose="020B0604020202020204" pitchFamily="34" charset="0"/>
+              </a:rPr>
+              <a:t>Random sentence generated</a:t>
+            </a:r>
+            <a:endParaRPr kumimoji="0" lang="en-GB" sz="1050" i="0" u="none" strike="noStrike" kern="1200" cap="none" spc="0" normalizeH="0" baseline="0" noProof="0" dirty="0">
+              <a:ln>
+                <a:noFill/>
+              </a:ln>
+              <a:solidFill>
+                <a:srgbClr val="003379"/>
+              </a:solidFill>
+              <a:effectLst/>
+              <a:uLnTx/>
+              <a:uFillTx/>
+              <a:latin typeface="Arial" panose="020B0604020202020204"/>
+              <a:ea typeface="+mn-ea"/>
+              <a:cs typeface="Arial" panose="020B0604020202020204" pitchFamily="34" charset="0"/>
+            </a:endParaRPr>
+          </a:p>
+        </p:txBody>
+      </p:sp>
+      <p:cxnSp>
+        <p:nvCxnSpPr>
+          <p:cNvPr id="12" name="Straight Arrow Connector 11">
+            <a:extLst>
+              <a:ext uri="{FF2B5EF4-FFF2-40B4-BE49-F238E27FC236}">
+                <a16:creationId xmlns:a16="http://schemas.microsoft.com/office/drawing/2014/main" id="{7732C59B-243F-B401-97FE-A6D93F56336D}"/>
+              </a:ext>
+            </a:extLst>
+          </p:cNvPr>
+          <p:cNvCxnSpPr>
+            <a:cxnSpLocks/>
+            <a:stCxn id="208" idx="3"/>
+            <a:endCxn id="14" idx="1"/>
+          </p:cNvCxnSpPr>
+          <p:nvPr/>
+        </p:nvCxnSpPr>
+        <p:spPr>
+          <a:xfrm flipV="1">
+            <a:off x="5964753" y="5000350"/>
+            <a:ext cx="1482893" cy="762062"/>
+          </a:xfrm>
+          <a:prstGeom prst="straightConnector1">
+            <a:avLst/>
+          </a:prstGeom>
+          <a:ln>
+            <a:solidFill>
+              <a:schemeClr val="accent6"/>
+            </a:solidFill>
+            <a:prstDash val="sysDash"/>
+            <a:tailEnd type="triangle"/>
+          </a:ln>
+        </p:spPr>
+        <p:style>
+          <a:lnRef idx="1">
+            <a:schemeClr val="accent1"/>
+          </a:lnRef>
+          <a:fillRef idx="0">
+            <a:schemeClr val="accent1"/>
+          </a:fillRef>
+          <a:effectRef idx="0">
+            <a:schemeClr val="accent1"/>
+          </a:effectRef>
+          <a:fontRef idx="minor">
+            <a:schemeClr val="tx1"/>
+          </a:fontRef>
+        </p:style>
+      </p:cxnSp>
+      <p:cxnSp>
+        <p:nvCxnSpPr>
+          <p:cNvPr id="36" name="Straight Arrow Connector 35">
+            <a:extLst>
+              <a:ext uri="{FF2B5EF4-FFF2-40B4-BE49-F238E27FC236}">
+                <a16:creationId xmlns:a16="http://schemas.microsoft.com/office/drawing/2014/main" id="{A41337D8-F89C-894B-32DB-A9BD303078B6}"/>
+              </a:ext>
+            </a:extLst>
+          </p:cNvPr>
+          <p:cNvCxnSpPr>
+            <a:cxnSpLocks/>
+            <a:stCxn id="213" idx="3"/>
+            <a:endCxn id="14" idx="1"/>
+          </p:cNvCxnSpPr>
+          <p:nvPr/>
+        </p:nvCxnSpPr>
+        <p:spPr>
+          <a:xfrm flipV="1">
+            <a:off x="3646157" y="5000350"/>
+            <a:ext cx="3801489" cy="118453"/>
+          </a:xfrm>
+          <a:prstGeom prst="straightConnector1">
+            <a:avLst/>
+          </a:prstGeom>
+          <a:ln>
+            <a:solidFill>
+              <a:schemeClr val="accent6"/>
+            </a:solidFill>
+            <a:prstDash val="sysDash"/>
+            <a:tailEnd type="triangle"/>
+          </a:ln>
+        </p:spPr>
+        <p:style>
+          <a:lnRef idx="1">
+            <a:schemeClr val="accent1"/>
+          </a:lnRef>
+          <a:fillRef idx="0">
+            <a:schemeClr val="accent1"/>
+          </a:fillRef>
+          <a:effectRef idx="0">
+            <a:schemeClr val="accent1"/>
+          </a:effectRef>
+          <a:fontRef idx="minor">
+            <a:schemeClr val="tx1"/>
+          </a:fontRef>
+        </p:style>
+      </p:cxnSp>
     </p:spTree>
     <p:extLst>
       <p:ext uri="{BB962C8B-B14F-4D97-AF65-F5344CB8AC3E}">
@@ -25755,6 +26569,36 @@
           <a:chExt cx="0" cy="0"/>
         </a:xfrm>
       </p:grpSpPr>
+      <p:pic>
+        <p:nvPicPr>
+          <p:cNvPr id="18" name="Picture 17">
+            <a:extLst>
+              <a:ext uri="{FF2B5EF4-FFF2-40B4-BE49-F238E27FC236}">
+                <a16:creationId xmlns:a16="http://schemas.microsoft.com/office/drawing/2014/main" id="{CEE3705C-E6CB-89A3-357E-CA22FACA91BE}"/>
+              </a:ext>
+            </a:extLst>
+          </p:cNvPr>
+          <p:cNvPicPr>
+            <a:picLocks noChangeAspect="1"/>
+          </p:cNvPicPr>
+          <p:nvPr/>
+        </p:nvPicPr>
+        <p:blipFill>
+          <a:blip r:embed="rId2"/>
+          <a:stretch>
+            <a:fillRect/>
+          </a:stretch>
+        </p:blipFill>
+        <p:spPr>
+          <a:xfrm>
+            <a:off x="7731658" y="1394300"/>
+            <a:ext cx="4439270" cy="5077534"/>
+          </a:xfrm>
+          <a:prstGeom prst="rect">
+            <a:avLst/>
+          </a:prstGeom>
+        </p:spPr>
+      </p:pic>
       <p:sp>
         <p:nvSpPr>
           <p:cNvPr id="2" name="Title 1">
@@ -25887,397 +26731,6 @@
           </a:p>
         </p:txBody>
       </p:sp>
-      <p:pic>
-        <p:nvPicPr>
-          <p:cNvPr id="4" name="Picture 3">
-            <a:extLst>
-              <a:ext uri="{FF2B5EF4-FFF2-40B4-BE49-F238E27FC236}">
-                <a16:creationId xmlns:a16="http://schemas.microsoft.com/office/drawing/2014/main" id="{AF58B5F7-FBA4-0AF7-2BB6-EF9C7430A95F}"/>
-              </a:ext>
-            </a:extLst>
-          </p:cNvPr>
-          <p:cNvPicPr>
-            <a:picLocks noChangeAspect="1"/>
-          </p:cNvPicPr>
-          <p:nvPr/>
-        </p:nvPicPr>
-        <p:blipFill>
-          <a:blip r:embed="rId2"/>
-          <a:stretch>
-            <a:fillRect/>
-          </a:stretch>
-        </p:blipFill>
-        <p:spPr>
-          <a:xfrm>
-            <a:off x="7929694" y="2095597"/>
-            <a:ext cx="3762900" cy="3848637"/>
-          </a:xfrm>
-          <a:prstGeom prst="rect">
-            <a:avLst/>
-          </a:prstGeom>
-        </p:spPr>
-      </p:pic>
-      <p:sp>
-        <p:nvSpPr>
-          <p:cNvPr id="5" name="Rectangle 1">
-            <a:extLst>
-              <a:ext uri="{FF2B5EF4-FFF2-40B4-BE49-F238E27FC236}">
-                <a16:creationId xmlns:a16="http://schemas.microsoft.com/office/drawing/2014/main" id="{490E0C46-7844-F0BA-A07C-FA4F2527EA81}"/>
-              </a:ext>
-            </a:extLst>
-          </p:cNvPr>
-          <p:cNvSpPr>
-            <a:spLocks noChangeArrowheads="1"/>
-          </p:cNvSpPr>
-          <p:nvPr/>
-        </p:nvSpPr>
-        <p:spPr bwMode="auto">
-          <a:xfrm>
-            <a:off x="844679" y="2745690"/>
-            <a:ext cx="6787762" cy="830997"/>
-          </a:xfrm>
-          <a:prstGeom prst="rect">
-            <a:avLst/>
-          </a:prstGeom>
-          <a:solidFill>
-            <a:srgbClr val="000000"/>
-          </a:solidFill>
-          <a:ln>
-            <a:noFill/>
-          </a:ln>
-          <a:effectLst/>
-          <a:extLst>
-            <a:ext uri="{91240B29-F687-4F45-9708-019B960494DF}">
-              <a14:hiddenLine xmlns:a14="http://schemas.microsoft.com/office/drawing/2010/main" w="9525">
-                <a:solidFill>
-                  <a:schemeClr val="tx1"/>
-                </a:solidFill>
-                <a:miter lim="800000"/>
-                <a:headEnd/>
-                <a:tailEnd/>
-              </a14:hiddenLine>
-            </a:ext>
-            <a:ext uri="{AF507438-7753-43E0-B8FC-AC1667EBCBE1}">
-              <a14:hiddenEffects xmlns:a14="http://schemas.microsoft.com/office/drawing/2010/main">
-                <a:effectLst>
-                  <a:outerShdw dist="35921" dir="2700000" algn="ctr" rotWithShape="0">
-                    <a:schemeClr val="bg2"/>
-                  </a:outerShdw>
-                </a:effectLst>
-              </a14:hiddenEffects>
-            </a:ext>
-          </a:extLst>
-        </p:spPr>
-        <p:txBody>
-          <a:bodyPr vert="horz" wrap="square" lIns="0" tIns="0" rIns="0" bIns="0" numCol="1" anchor="ctr" anchorCtr="0" compatLnSpc="1">
-            <a:prstTxWarp prst="textNoShape">
-              <a:avLst/>
-            </a:prstTxWarp>
-            <a:spAutoFit/>
-          </a:bodyPr>
-          <a:lstStyle/>
-          <a:p>
-            <a:pPr marL="0" marR="0" lvl="0" indent="0" algn="l" defTabSz="914400" rtl="0" eaLnBrk="0" fontAlgn="base" latinLnBrk="0" hangingPunct="0">
-              <a:lnSpc>
-                <a:spcPct val="100000"/>
-              </a:lnSpc>
-              <a:spcBef>
-                <a:spcPct val="0"/>
-              </a:spcBef>
-              <a:spcAft>
-                <a:spcPct val="0"/>
-              </a:spcAft>
-              <a:buClrTx/>
-              <a:buSzTx/>
-              <a:buFontTx/>
-              <a:buNone/>
-              <a:tabLst/>
-            </a:pPr>
-            <a:r>
-              <a:rPr kumimoji="0" lang="en-US" altLang="en-US" sz="900" b="0" i="0" u="none" strike="noStrike" cap="none" normalizeH="0" baseline="0" dirty="0">
-                <a:ln>
-                  <a:noFill/>
-                </a:ln>
-                <a:solidFill>
-                  <a:srgbClr val="DEDEDE"/>
-                </a:solidFill>
-                <a:effectLst/>
-                <a:latin typeface="Lucida Console" panose="020B0609040504020204" pitchFamily="49" charset="0"/>
-              </a:rPr>
-              <a:t>simmer environment: </a:t>
-            </a:r>
-            <a:r>
-              <a:rPr kumimoji="0" lang="en-US" altLang="en-US" sz="900" b="0" i="0" u="none" strike="noStrike" cap="none" normalizeH="0" baseline="0" dirty="0" err="1">
-                <a:ln>
-                  <a:noFill/>
-                </a:ln>
-                <a:solidFill>
-                  <a:srgbClr val="DEDEDE"/>
-                </a:solidFill>
-                <a:effectLst/>
-                <a:latin typeface="Lucida Console" panose="020B0609040504020204" pitchFamily="49" charset="0"/>
-              </a:rPr>
-              <a:t>CrownCourtsSim</a:t>
-            </a:r>
-            <a:r>
-              <a:rPr kumimoji="0" lang="en-US" altLang="en-US" sz="900" b="0" i="0" u="none" strike="noStrike" cap="none" normalizeH="0" baseline="0" dirty="0">
-                <a:ln>
-                  <a:noFill/>
-                </a:ln>
-                <a:solidFill>
-                  <a:srgbClr val="DEDEDE"/>
-                </a:solidFill>
-                <a:effectLst/>
-                <a:latin typeface="Lucida Console" panose="020B0609040504020204" pitchFamily="49" charset="0"/>
-              </a:rPr>
-              <a:t> | now: 100 | next: 100.000312880018</a:t>
-            </a:r>
-          </a:p>
-          <a:p>
-            <a:pPr marL="0" marR="0" lvl="0" indent="0" algn="l" defTabSz="914400" rtl="0" eaLnBrk="0" fontAlgn="base" latinLnBrk="0" hangingPunct="0">
-              <a:lnSpc>
-                <a:spcPct val="100000"/>
-              </a:lnSpc>
-              <a:spcBef>
-                <a:spcPct val="0"/>
-              </a:spcBef>
-              <a:spcAft>
-                <a:spcPct val="0"/>
-              </a:spcAft>
-              <a:buClrTx/>
-              <a:buSzTx/>
-              <a:buFontTx/>
-              <a:buNone/>
-              <a:tabLst/>
-            </a:pPr>
-            <a:r>
-              <a:rPr kumimoji="0" lang="en-US" altLang="en-US" sz="900" b="0" i="0" u="none" strike="noStrike" cap="none" normalizeH="0" baseline="0" dirty="0">
-                <a:ln>
-                  <a:noFill/>
-                </a:ln>
-                <a:solidFill>
-                  <a:srgbClr val="DEDEDE"/>
-                </a:solidFill>
-                <a:effectLst/>
-                <a:latin typeface="Lucida Console" panose="020B0609040504020204" pitchFamily="49" charset="0"/>
-              </a:rPr>
-              <a:t>{ Monitor: in memory }</a:t>
-            </a:r>
-          </a:p>
-          <a:p>
-            <a:pPr marL="0" marR="0" lvl="0" indent="0" algn="l" defTabSz="914400" rtl="0" eaLnBrk="0" fontAlgn="base" latinLnBrk="0" hangingPunct="0">
-              <a:lnSpc>
-                <a:spcPct val="100000"/>
-              </a:lnSpc>
-              <a:spcBef>
-                <a:spcPct val="0"/>
-              </a:spcBef>
-              <a:spcAft>
-                <a:spcPct val="0"/>
-              </a:spcAft>
-              <a:buClrTx/>
-              <a:buSzTx/>
-              <a:buFontTx/>
-              <a:buNone/>
-              <a:tabLst/>
-            </a:pPr>
-            <a:r>
-              <a:rPr kumimoji="0" lang="en-US" altLang="en-US" sz="900" b="0" i="0" u="none" strike="noStrike" cap="none" normalizeH="0" baseline="0" dirty="0">
-                <a:ln>
-                  <a:noFill/>
-                </a:ln>
-                <a:solidFill>
-                  <a:srgbClr val="DEDEDE"/>
-                </a:solidFill>
-                <a:effectLst/>
-                <a:latin typeface="Lucida Console" panose="020B0609040504020204" pitchFamily="49" charset="0"/>
-              </a:rPr>
-              <a:t>{ Resource: </a:t>
-            </a:r>
-            <a:r>
-              <a:rPr kumimoji="0" lang="en-US" altLang="en-US" sz="900" b="0" i="0" u="none" strike="noStrike" cap="none" normalizeH="0" baseline="0" dirty="0" err="1">
-                <a:ln>
-                  <a:noFill/>
-                </a:ln>
-                <a:solidFill>
-                  <a:srgbClr val="DEDEDE"/>
-                </a:solidFill>
-                <a:effectLst/>
-                <a:latin typeface="Lucida Console" panose="020B0609040504020204" pitchFamily="49" charset="0"/>
-              </a:rPr>
-              <a:t>crown_court</a:t>
-            </a:r>
-            <a:r>
-              <a:rPr kumimoji="0" lang="en-US" altLang="en-US" sz="900" b="0" i="0" u="none" strike="noStrike" cap="none" normalizeH="0" baseline="0" dirty="0">
-                <a:ln>
-                  <a:noFill/>
-                </a:ln>
-                <a:solidFill>
-                  <a:srgbClr val="DEDEDE"/>
-                </a:solidFill>
-                <a:effectLst/>
-                <a:latin typeface="Lucida Console" panose="020B0609040504020204" pitchFamily="49" charset="0"/>
-              </a:rPr>
-              <a:t> | monitored: TRUE | server status: 90(281) | queue status: 0(Inf) }</a:t>
-            </a:r>
-          </a:p>
-          <a:p>
-            <a:pPr marL="0" marR="0" lvl="0" indent="0" algn="l" defTabSz="914400" rtl="0" eaLnBrk="0" fontAlgn="base" latinLnBrk="0" hangingPunct="0">
-              <a:lnSpc>
-                <a:spcPct val="100000"/>
-              </a:lnSpc>
-              <a:spcBef>
-                <a:spcPct val="0"/>
-              </a:spcBef>
-              <a:spcAft>
-                <a:spcPct val="0"/>
-              </a:spcAft>
-              <a:buClrTx/>
-              <a:buSzTx/>
-              <a:buFontTx/>
-              <a:buNone/>
-              <a:tabLst/>
-            </a:pPr>
-            <a:r>
-              <a:rPr kumimoji="0" lang="en-US" altLang="en-US" sz="900" b="0" i="0" u="none" strike="noStrike" cap="none" normalizeH="0" baseline="0" dirty="0">
-                <a:ln>
-                  <a:noFill/>
-                </a:ln>
-                <a:solidFill>
-                  <a:srgbClr val="DEDEDE"/>
-                </a:solidFill>
-                <a:effectLst/>
-                <a:latin typeface="Lucida Console" panose="020B0609040504020204" pitchFamily="49" charset="0"/>
-              </a:rPr>
-              <a:t>{ Resource: </a:t>
-            </a:r>
-            <a:r>
-              <a:rPr kumimoji="0" lang="en-US" altLang="en-US" sz="900" b="0" i="0" u="none" strike="noStrike" cap="none" normalizeH="0" baseline="0" dirty="0" err="1">
-                <a:ln>
-                  <a:noFill/>
-                </a:ln>
-                <a:solidFill>
-                  <a:srgbClr val="DEDEDE"/>
-                </a:solidFill>
-                <a:effectLst/>
-                <a:latin typeface="Lucida Console" panose="020B0609040504020204" pitchFamily="49" charset="0"/>
-              </a:rPr>
-              <a:t>magistrate_court</a:t>
-            </a:r>
-            <a:r>
-              <a:rPr kumimoji="0" lang="en-US" altLang="en-US" sz="900" b="0" i="0" u="none" strike="noStrike" cap="none" normalizeH="0" baseline="0" dirty="0">
-                <a:ln>
-                  <a:noFill/>
-                </a:ln>
-                <a:solidFill>
-                  <a:srgbClr val="DEDEDE"/>
-                </a:solidFill>
-                <a:effectLst/>
-                <a:latin typeface="Lucida Console" panose="020B0609040504020204" pitchFamily="49" charset="0"/>
-              </a:rPr>
-              <a:t> | monitored: TRUE | server status: 947(2810) | queue status: 0(Inf) }</a:t>
-            </a:r>
-          </a:p>
-          <a:p>
-            <a:pPr marL="0" marR="0" lvl="0" indent="0" algn="l" defTabSz="914400" rtl="0" eaLnBrk="0" fontAlgn="base" latinLnBrk="0" hangingPunct="0">
-              <a:lnSpc>
-                <a:spcPct val="100000"/>
-              </a:lnSpc>
-              <a:spcBef>
-                <a:spcPct val="0"/>
-              </a:spcBef>
-              <a:spcAft>
-                <a:spcPct val="0"/>
-              </a:spcAft>
-              <a:buClrTx/>
-              <a:buSzTx/>
-              <a:buFontTx/>
-              <a:buNone/>
-              <a:tabLst/>
-            </a:pPr>
-            <a:r>
-              <a:rPr kumimoji="0" lang="en-US" altLang="en-US" sz="900" b="0" i="0" u="none" strike="noStrike" cap="none" normalizeH="0" baseline="0" dirty="0">
-                <a:ln>
-                  <a:noFill/>
-                </a:ln>
-                <a:solidFill>
-                  <a:srgbClr val="DEDEDE"/>
-                </a:solidFill>
-                <a:effectLst/>
-                <a:latin typeface="Lucida Console" panose="020B0609040504020204" pitchFamily="49" charset="0"/>
-              </a:rPr>
-              <a:t>{ Resource: prison | monitored: TRUE | server status: 61(50000) | queue status: 0(Inf) }</a:t>
-            </a:r>
-          </a:p>
-          <a:p>
-            <a:pPr marL="0" marR="0" lvl="0" indent="0" algn="l" defTabSz="914400" rtl="0" eaLnBrk="0" fontAlgn="base" latinLnBrk="0" hangingPunct="0">
-              <a:lnSpc>
-                <a:spcPct val="100000"/>
-              </a:lnSpc>
-              <a:spcBef>
-                <a:spcPct val="0"/>
-              </a:spcBef>
-              <a:spcAft>
-                <a:spcPct val="0"/>
-              </a:spcAft>
-              <a:buClrTx/>
-              <a:buSzTx/>
-              <a:buFontTx/>
-              <a:buNone/>
-              <a:tabLst/>
-            </a:pPr>
-            <a:r>
-              <a:rPr kumimoji="0" lang="en-US" altLang="en-US" sz="900" b="0" i="0" u="none" strike="noStrike" cap="none" normalizeH="0" baseline="0" dirty="0">
-                <a:ln>
-                  <a:noFill/>
-                </a:ln>
-                <a:solidFill>
-                  <a:srgbClr val="DEDEDE"/>
-                </a:solidFill>
-                <a:effectLst/>
-                <a:latin typeface="Lucida Console" panose="020B0609040504020204" pitchFamily="49" charset="0"/>
-              </a:rPr>
-              <a:t>{ Source: cases | monitored: 1 | </a:t>
-            </a:r>
-            <a:r>
-              <a:rPr kumimoji="0" lang="en-US" altLang="en-US" sz="900" b="0" i="0" u="none" strike="noStrike" cap="none" normalizeH="0" baseline="0" dirty="0" err="1">
-                <a:ln>
-                  <a:noFill/>
-                </a:ln>
-                <a:solidFill>
-                  <a:srgbClr val="DEDEDE"/>
-                </a:solidFill>
-                <a:effectLst/>
-                <a:latin typeface="Lucida Console" panose="020B0609040504020204" pitchFamily="49" charset="0"/>
-              </a:rPr>
-              <a:t>n_generated</a:t>
-            </a:r>
-            <a:r>
-              <a:rPr kumimoji="0" lang="en-US" altLang="en-US" sz="900" b="0" i="0" u="none" strike="noStrike" cap="none" normalizeH="0" baseline="0" dirty="0">
-                <a:ln>
-                  <a:noFill/>
-                </a:ln>
-                <a:solidFill>
-                  <a:srgbClr val="DEDEDE"/>
-                </a:solidFill>
-                <a:effectLst/>
-                <a:latin typeface="Lucida Console" panose="020B0609040504020204" pitchFamily="49" charset="0"/>
-              </a:rPr>
-              <a:t>: 24476 }</a:t>
-            </a:r>
-            <a:endParaRPr kumimoji="0" lang="en-US" altLang="en-US" sz="1800" b="0" i="0" u="none" strike="noStrike" cap="none" normalizeH="0" baseline="0" dirty="0">
-              <a:ln>
-                <a:noFill/>
-              </a:ln>
-              <a:solidFill>
-                <a:schemeClr val="tx1"/>
-              </a:solidFill>
-              <a:effectLst/>
-              <a:latin typeface="Arial" panose="020B0604020202020204" pitchFamily="34" charset="0"/>
-            </a:endParaRPr>
-          </a:p>
-        </p:txBody>
-      </p:sp>
       <p:sp>
         <p:nvSpPr>
           <p:cNvPr id="8" name="TextBox 7">
@@ -26292,8 +26745,8 @@
         </p:nvSpPr>
         <p:spPr>
           <a:xfrm>
-            <a:off x="1040410" y="3755156"/>
-            <a:ext cx="6193310" cy="1844608"/>
+            <a:off x="1040409" y="4416059"/>
+            <a:ext cx="6691249" cy="1844608"/>
           </a:xfrm>
           <a:prstGeom prst="rect">
             <a:avLst/>
@@ -26371,7 +26824,7 @@
                 <a:ea typeface="+mn-ea"/>
                 <a:cs typeface="Arial" panose="020B0604020202020204" pitchFamily="34" charset="0"/>
               </a:rPr>
-              <a:t>With our initial conditions/assumptions, blockages in our simulation come from the courts, in particular the magistrates’ court</a:t>
+              <a:t>With our initial conditions/assumptions, the relative number of crown courts and longer case times mean the system is far more dependent on the CC performance</a:t>
             </a:r>
           </a:p>
           <a:p>
@@ -26399,7 +26852,7 @@
                 <a:latin typeface="Arial" panose="020B0604020202020204"/>
                 <a:cs typeface="Arial" panose="020B0604020202020204" pitchFamily="34" charset="0"/>
               </a:rPr>
-              <a:t>This simulation shows there is capacity across the full system</a:t>
+              <a:t>This simulation shows there is capacity across the full system, if we don’t account for the backlog in cases</a:t>
             </a:r>
             <a:endParaRPr kumimoji="0" lang="en-GB" sz="1800" b="1" i="0" u="none" strike="noStrike" kern="1200" cap="none" spc="0" normalizeH="0" baseline="0" noProof="0" dirty="0">
               <a:ln>
@@ -26415,6 +26868,380 @@
               <a:ea typeface="+mn-ea"/>
               <a:cs typeface="Arial" panose="020B0604020202020204" pitchFamily="34" charset="0"/>
             </a:endParaRPr>
+          </a:p>
+        </p:txBody>
+      </p:sp>
+      <p:sp>
+        <p:nvSpPr>
+          <p:cNvPr id="14" name="TextBox 13">
+            <a:extLst>
+              <a:ext uri="{FF2B5EF4-FFF2-40B4-BE49-F238E27FC236}">
+                <a16:creationId xmlns:a16="http://schemas.microsoft.com/office/drawing/2014/main" id="{62DC870F-BF50-7ED1-D8EF-232A624481A4}"/>
+              </a:ext>
+            </a:extLst>
+          </p:cNvPr>
+          <p:cNvSpPr txBox="1"/>
+          <p:nvPr/>
+        </p:nvSpPr>
+        <p:spPr>
+          <a:xfrm>
+            <a:off x="625542" y="2350218"/>
+            <a:ext cx="7341508" cy="1730730"/>
+          </a:xfrm>
+          <a:prstGeom prst="rect">
+            <a:avLst/>
+          </a:prstGeom>
+        </p:spPr>
+        <p:txBody>
+          <a:bodyPr wrap="square" rtlCol="0" anchor="t">
+            <a:spAutoFit/>
+          </a:bodyPr>
+          <a:lstStyle/>
+          <a:p>
+            <a:pPr marL="0" marR="0" indent="0" defTabSz="914400" rtl="0" eaLnBrk="1" fontAlgn="auto" latinLnBrk="0" hangingPunct="1">
+              <a:lnSpc>
+                <a:spcPct val="90000"/>
+              </a:lnSpc>
+              <a:spcBef>
+                <a:spcPts val="1000"/>
+              </a:spcBef>
+              <a:spcAft>
+                <a:spcPts val="0"/>
+              </a:spcAft>
+              <a:buClrTx/>
+              <a:buSzTx/>
+              <a:buFont typeface="Arial" panose="020B0604020202020204" pitchFamily="34" charset="0"/>
+              <a:buNone/>
+              <a:tabLst/>
+            </a:pPr>
+            <a:r>
+              <a:rPr kumimoji="0" lang="en-GB" sz="1200" b="1" i="0" u="none" strike="noStrike" kern="1200" cap="none" spc="0" normalizeH="0" baseline="0" noProof="0" dirty="0">
+                <a:ln>
+                  <a:noFill/>
+                </a:ln>
+                <a:solidFill>
+                  <a:srgbClr val="003379"/>
+                </a:solidFill>
+                <a:effectLst/>
+                <a:uLnTx/>
+                <a:uFillTx/>
+                <a:latin typeface="Arial" panose="020B0604020202020204"/>
+                <a:ea typeface="+mn-ea"/>
+                <a:cs typeface="Arial" panose="020B0604020202020204" pitchFamily="34" charset="0"/>
+              </a:rPr>
+              <a:t>simmer environment: </a:t>
+            </a:r>
+            <a:r>
+              <a:rPr kumimoji="0" lang="en-GB" sz="1200" b="1" i="0" u="none" strike="noStrike" kern="1200" cap="none" spc="0" normalizeH="0" baseline="0" noProof="0" dirty="0" err="1">
+                <a:ln>
+                  <a:noFill/>
+                </a:ln>
+                <a:solidFill>
+                  <a:srgbClr val="003379"/>
+                </a:solidFill>
+                <a:effectLst/>
+                <a:uLnTx/>
+                <a:uFillTx/>
+                <a:latin typeface="Arial" panose="020B0604020202020204"/>
+                <a:ea typeface="+mn-ea"/>
+                <a:cs typeface="Arial" panose="020B0604020202020204" pitchFamily="34" charset="0"/>
+              </a:rPr>
+              <a:t>CrownCourtsSim</a:t>
+            </a:r>
+            <a:r>
+              <a:rPr kumimoji="0" lang="en-GB" sz="1200" b="1" i="0" u="none" strike="noStrike" kern="1200" cap="none" spc="0" normalizeH="0" baseline="0" noProof="0" dirty="0">
+                <a:ln>
+                  <a:noFill/>
+                </a:ln>
+                <a:solidFill>
+                  <a:srgbClr val="003379"/>
+                </a:solidFill>
+                <a:effectLst/>
+                <a:uLnTx/>
+                <a:uFillTx/>
+                <a:latin typeface="Arial" panose="020B0604020202020204"/>
+                <a:ea typeface="+mn-ea"/>
+                <a:cs typeface="Arial" panose="020B0604020202020204" pitchFamily="34" charset="0"/>
+              </a:rPr>
+              <a:t> | now: 1 | next: 1.00000012415256</a:t>
+            </a:r>
+          </a:p>
+          <a:p>
+            <a:pPr marL="0" marR="0" indent="0" defTabSz="914400" rtl="0" eaLnBrk="1" fontAlgn="auto" latinLnBrk="0" hangingPunct="1">
+              <a:lnSpc>
+                <a:spcPct val="90000"/>
+              </a:lnSpc>
+              <a:spcBef>
+                <a:spcPts val="1000"/>
+              </a:spcBef>
+              <a:spcAft>
+                <a:spcPts val="0"/>
+              </a:spcAft>
+              <a:buClrTx/>
+              <a:buSzTx/>
+              <a:buFont typeface="Arial" panose="020B0604020202020204" pitchFamily="34" charset="0"/>
+              <a:buNone/>
+              <a:tabLst/>
+            </a:pPr>
+            <a:r>
+              <a:rPr kumimoji="0" lang="en-GB" sz="1200" b="1" i="0" u="none" strike="noStrike" kern="1200" cap="none" spc="0" normalizeH="0" baseline="0" noProof="0" dirty="0">
+                <a:ln>
+                  <a:noFill/>
+                </a:ln>
+                <a:solidFill>
+                  <a:srgbClr val="003379"/>
+                </a:solidFill>
+                <a:effectLst/>
+                <a:uLnTx/>
+                <a:uFillTx/>
+                <a:latin typeface="Arial" panose="020B0604020202020204"/>
+                <a:ea typeface="+mn-ea"/>
+                <a:cs typeface="Arial" panose="020B0604020202020204" pitchFamily="34" charset="0"/>
+              </a:rPr>
+              <a:t>{ Monitor: in memory }</a:t>
+            </a:r>
+          </a:p>
+          <a:p>
+            <a:pPr marL="0" marR="0" indent="0" defTabSz="914400" rtl="0" eaLnBrk="1" fontAlgn="auto" latinLnBrk="0" hangingPunct="1">
+              <a:lnSpc>
+                <a:spcPct val="90000"/>
+              </a:lnSpc>
+              <a:spcBef>
+                <a:spcPts val="1000"/>
+              </a:spcBef>
+              <a:spcAft>
+                <a:spcPts val="0"/>
+              </a:spcAft>
+              <a:buClrTx/>
+              <a:buSzTx/>
+              <a:buFont typeface="Arial" panose="020B0604020202020204" pitchFamily="34" charset="0"/>
+              <a:buNone/>
+              <a:tabLst/>
+            </a:pPr>
+            <a:r>
+              <a:rPr kumimoji="0" lang="en-GB" sz="1200" b="1" i="0" u="none" strike="noStrike" kern="1200" cap="none" spc="0" normalizeH="0" baseline="0" noProof="0" dirty="0">
+                <a:ln>
+                  <a:noFill/>
+                </a:ln>
+                <a:solidFill>
+                  <a:srgbClr val="003379"/>
+                </a:solidFill>
+                <a:effectLst/>
+                <a:uLnTx/>
+                <a:uFillTx/>
+                <a:latin typeface="Arial" panose="020B0604020202020204"/>
+                <a:ea typeface="+mn-ea"/>
+                <a:cs typeface="Arial" panose="020B0604020202020204" pitchFamily="34" charset="0"/>
+              </a:rPr>
+              <a:t>{ Resource: </a:t>
+            </a:r>
+            <a:r>
+              <a:rPr kumimoji="0" lang="en-GB" sz="1200" b="1" i="0" u="none" strike="noStrike" kern="1200" cap="none" spc="0" normalizeH="0" baseline="0" noProof="0" dirty="0" err="1">
+                <a:ln>
+                  <a:noFill/>
+                </a:ln>
+                <a:solidFill>
+                  <a:srgbClr val="003379"/>
+                </a:solidFill>
+                <a:effectLst/>
+                <a:uLnTx/>
+                <a:uFillTx/>
+                <a:latin typeface="Arial" panose="020B0604020202020204"/>
+                <a:ea typeface="+mn-ea"/>
+                <a:cs typeface="Arial" panose="020B0604020202020204" pitchFamily="34" charset="0"/>
+              </a:rPr>
+              <a:t>crown_court</a:t>
+            </a:r>
+            <a:r>
+              <a:rPr kumimoji="0" lang="en-GB" sz="1200" b="1" i="0" u="none" strike="noStrike" kern="1200" cap="none" spc="0" normalizeH="0" baseline="0" noProof="0" dirty="0">
+                <a:ln>
+                  <a:noFill/>
+                </a:ln>
+                <a:solidFill>
+                  <a:srgbClr val="003379"/>
+                </a:solidFill>
+                <a:effectLst/>
+                <a:uLnTx/>
+                <a:uFillTx/>
+                <a:latin typeface="Arial" panose="020B0604020202020204"/>
+                <a:ea typeface="+mn-ea"/>
+                <a:cs typeface="Arial" panose="020B0604020202020204" pitchFamily="34" charset="0"/>
+              </a:rPr>
+              <a:t> | monitored: TRUE | server status: 292(292) | queue status: 126978(Inf) }</a:t>
+            </a:r>
+          </a:p>
+          <a:p>
+            <a:pPr marL="0" marR="0" indent="0" defTabSz="914400" rtl="0" eaLnBrk="1" fontAlgn="auto" latinLnBrk="0" hangingPunct="1">
+              <a:lnSpc>
+                <a:spcPct val="90000"/>
+              </a:lnSpc>
+              <a:spcBef>
+                <a:spcPts val="1000"/>
+              </a:spcBef>
+              <a:spcAft>
+                <a:spcPts val="0"/>
+              </a:spcAft>
+              <a:buClrTx/>
+              <a:buSzTx/>
+              <a:buFont typeface="Arial" panose="020B0604020202020204" pitchFamily="34" charset="0"/>
+              <a:buNone/>
+              <a:tabLst/>
+            </a:pPr>
+            <a:r>
+              <a:rPr kumimoji="0" lang="en-GB" sz="1200" b="1" i="0" u="none" strike="noStrike" kern="1200" cap="none" spc="0" normalizeH="0" baseline="0" noProof="0" dirty="0">
+                <a:ln>
+                  <a:noFill/>
+                </a:ln>
+                <a:solidFill>
+                  <a:srgbClr val="003379"/>
+                </a:solidFill>
+                <a:effectLst/>
+                <a:uLnTx/>
+                <a:uFillTx/>
+                <a:latin typeface="Arial" panose="020B0604020202020204"/>
+                <a:ea typeface="+mn-ea"/>
+                <a:cs typeface="Arial" panose="020B0604020202020204" pitchFamily="34" charset="0"/>
+              </a:rPr>
+              <a:t>{ Resource: </a:t>
+            </a:r>
+            <a:r>
+              <a:rPr kumimoji="0" lang="en-GB" sz="1200" b="1" i="0" u="none" strike="noStrike" kern="1200" cap="none" spc="0" normalizeH="0" baseline="0" noProof="0" dirty="0" err="1">
+                <a:ln>
+                  <a:noFill/>
+                </a:ln>
+                <a:solidFill>
+                  <a:srgbClr val="003379"/>
+                </a:solidFill>
+                <a:effectLst/>
+                <a:uLnTx/>
+                <a:uFillTx/>
+                <a:latin typeface="Arial" panose="020B0604020202020204"/>
+                <a:ea typeface="+mn-ea"/>
+                <a:cs typeface="Arial" panose="020B0604020202020204" pitchFamily="34" charset="0"/>
+              </a:rPr>
+              <a:t>magistrate_court</a:t>
+            </a:r>
+            <a:r>
+              <a:rPr kumimoji="0" lang="en-GB" sz="1200" b="1" i="0" u="none" strike="noStrike" kern="1200" cap="none" spc="0" normalizeH="0" baseline="0" noProof="0" dirty="0">
+                <a:ln>
+                  <a:noFill/>
+                </a:ln>
+                <a:solidFill>
+                  <a:srgbClr val="003379"/>
+                </a:solidFill>
+                <a:effectLst/>
+                <a:uLnTx/>
+                <a:uFillTx/>
+                <a:latin typeface="Arial" panose="020B0604020202020204"/>
+                <a:ea typeface="+mn-ea"/>
+                <a:cs typeface="Arial" panose="020B0604020202020204" pitchFamily="34" charset="0"/>
+              </a:rPr>
+              <a:t> | monitored: TRUE | server status: 3957(5423) | queue status: 0(Inf) }</a:t>
+            </a:r>
+          </a:p>
+          <a:p>
+            <a:pPr marL="0" marR="0" indent="0" defTabSz="914400" rtl="0" eaLnBrk="1" fontAlgn="auto" latinLnBrk="0" hangingPunct="1">
+              <a:lnSpc>
+                <a:spcPct val="90000"/>
+              </a:lnSpc>
+              <a:spcBef>
+                <a:spcPts val="1000"/>
+              </a:spcBef>
+              <a:spcAft>
+                <a:spcPts val="0"/>
+              </a:spcAft>
+              <a:buClrTx/>
+              <a:buSzTx/>
+              <a:buFont typeface="Arial" panose="020B0604020202020204" pitchFamily="34" charset="0"/>
+              <a:buNone/>
+              <a:tabLst/>
+            </a:pPr>
+            <a:r>
+              <a:rPr kumimoji="0" lang="en-GB" sz="1200" b="1" i="0" u="none" strike="noStrike" kern="1200" cap="none" spc="0" normalizeH="0" baseline="0" noProof="0" dirty="0">
+                <a:ln>
+                  <a:noFill/>
+                </a:ln>
+                <a:solidFill>
+                  <a:srgbClr val="003379"/>
+                </a:solidFill>
+                <a:effectLst/>
+                <a:uLnTx/>
+                <a:uFillTx/>
+                <a:latin typeface="Arial" panose="020B0604020202020204"/>
+                <a:ea typeface="+mn-ea"/>
+                <a:cs typeface="Arial" panose="020B0604020202020204" pitchFamily="34" charset="0"/>
+              </a:rPr>
+              <a:t>{ Resource: prison | monitored: TRUE | server status: 87900(87900) | queue status: 741574(Inf) }</a:t>
+            </a:r>
+          </a:p>
+          <a:p>
+            <a:pPr marL="0" marR="0" indent="0" defTabSz="914400" rtl="0" eaLnBrk="1" fontAlgn="auto" latinLnBrk="0" hangingPunct="1">
+              <a:lnSpc>
+                <a:spcPct val="90000"/>
+              </a:lnSpc>
+              <a:spcBef>
+                <a:spcPts val="1000"/>
+              </a:spcBef>
+              <a:spcAft>
+                <a:spcPts val="0"/>
+              </a:spcAft>
+              <a:buClrTx/>
+              <a:buSzTx/>
+              <a:buFont typeface="Arial" panose="020B0604020202020204" pitchFamily="34" charset="0"/>
+              <a:buNone/>
+              <a:tabLst/>
+            </a:pPr>
+            <a:r>
+              <a:rPr kumimoji="0" lang="en-GB" sz="1200" b="1" i="0" u="none" strike="noStrike" kern="1200" cap="none" spc="0" normalizeH="0" baseline="0" noProof="0" dirty="0">
+                <a:ln>
+                  <a:noFill/>
+                </a:ln>
+                <a:solidFill>
+                  <a:srgbClr val="003379"/>
+                </a:solidFill>
+                <a:effectLst/>
+                <a:uLnTx/>
+                <a:uFillTx/>
+                <a:latin typeface="Arial" panose="020B0604020202020204"/>
+                <a:ea typeface="+mn-ea"/>
+                <a:cs typeface="Arial" panose="020B0604020202020204" pitchFamily="34" charset="0"/>
+              </a:rPr>
+              <a:t>{ Source: cases | monitored: 1 | </a:t>
+            </a:r>
+            <a:r>
+              <a:rPr kumimoji="0" lang="en-GB" sz="1200" b="1" i="0" u="none" strike="noStrike" kern="1200" cap="none" spc="0" normalizeH="0" baseline="0" noProof="0" dirty="0" err="1">
+                <a:ln>
+                  <a:noFill/>
+                </a:ln>
+                <a:solidFill>
+                  <a:srgbClr val="003379"/>
+                </a:solidFill>
+                <a:effectLst/>
+                <a:uLnTx/>
+                <a:uFillTx/>
+                <a:latin typeface="Arial" panose="020B0604020202020204"/>
+                <a:ea typeface="+mn-ea"/>
+                <a:cs typeface="Arial" panose="020B0604020202020204" pitchFamily="34" charset="0"/>
+              </a:rPr>
+              <a:t>n_generated</a:t>
+            </a:r>
+            <a:r>
+              <a:rPr kumimoji="0" lang="en-GB" sz="1200" b="1" i="0" u="none" strike="noStrike" kern="1200" cap="none" spc="0" normalizeH="0" baseline="0" noProof="0" dirty="0">
+                <a:ln>
+                  <a:noFill/>
+                </a:ln>
+                <a:solidFill>
+                  <a:srgbClr val="003379"/>
+                </a:solidFill>
+                <a:effectLst/>
+                <a:uLnTx/>
+                <a:uFillTx/>
+                <a:latin typeface="Arial" panose="020B0604020202020204"/>
+                <a:ea typeface="+mn-ea"/>
+                <a:cs typeface="Arial" panose="020B0604020202020204" pitchFamily="34" charset="0"/>
+              </a:rPr>
+              <a:t>: 1299656 }</a:t>
+            </a:r>
           </a:p>
         </p:txBody>
       </p:sp>
@@ -26737,6 +27564,398 @@
           </a:p>
         </p:txBody>
       </p:sp>
+      <p:sp>
+        <p:nvSpPr>
+          <p:cNvPr id="6" name="TextBox 5">
+            <a:extLst>
+              <a:ext uri="{FF2B5EF4-FFF2-40B4-BE49-F238E27FC236}">
+                <a16:creationId xmlns:a16="http://schemas.microsoft.com/office/drawing/2014/main" id="{B4AA8A53-F319-6EE9-8387-514F45D244C0}"/>
+              </a:ext>
+            </a:extLst>
+          </p:cNvPr>
+          <p:cNvSpPr txBox="1"/>
+          <p:nvPr/>
+        </p:nvSpPr>
+        <p:spPr>
+          <a:xfrm>
+            <a:off x="1458461" y="4305766"/>
+            <a:ext cx="8210640" cy="2025170"/>
+          </a:xfrm>
+          <a:prstGeom prst="rect">
+            <a:avLst/>
+          </a:prstGeom>
+        </p:spPr>
+        <p:txBody>
+          <a:bodyPr wrap="square" rtlCol="0" anchor="t">
+            <a:spAutoFit/>
+          </a:bodyPr>
+          <a:lstStyle/>
+          <a:p>
+            <a:pPr marL="0" marR="0" indent="0" defTabSz="914400" rtl="0" eaLnBrk="1" fontAlgn="auto" latinLnBrk="0" hangingPunct="1">
+              <a:lnSpc>
+                <a:spcPct val="90000"/>
+              </a:lnSpc>
+              <a:spcBef>
+                <a:spcPts val="1000"/>
+              </a:spcBef>
+              <a:spcAft>
+                <a:spcPts val="0"/>
+              </a:spcAft>
+              <a:buClrTx/>
+              <a:buSzTx/>
+              <a:buFont typeface="Arial" panose="020B0604020202020204" pitchFamily="34" charset="0"/>
+              <a:buNone/>
+              <a:tabLst/>
+            </a:pPr>
+            <a:r>
+              <a:rPr kumimoji="0" lang="en-GB" sz="1200" b="1" i="0" u="none" strike="noStrike" kern="1200" cap="none" spc="0" normalizeH="0" baseline="0" noProof="0" dirty="0">
+                <a:ln>
+                  <a:noFill/>
+                </a:ln>
+                <a:solidFill>
+                  <a:srgbClr val="003379"/>
+                </a:solidFill>
+                <a:effectLst/>
+                <a:uLnTx/>
+                <a:uFillTx/>
+                <a:latin typeface="Arial" panose="020B0604020202020204"/>
+                <a:ea typeface="+mn-ea"/>
+                <a:cs typeface="Arial" panose="020B0604020202020204" pitchFamily="34" charset="0"/>
+              </a:rPr>
+              <a:t>Modelling a sentencing only in Crown Courts</a:t>
+            </a:r>
+          </a:p>
+          <a:p>
+            <a:pPr marL="0" marR="0" indent="0" defTabSz="914400" rtl="0" eaLnBrk="1" fontAlgn="auto" latinLnBrk="0" hangingPunct="1">
+              <a:lnSpc>
+                <a:spcPct val="90000"/>
+              </a:lnSpc>
+              <a:spcBef>
+                <a:spcPts val="1000"/>
+              </a:spcBef>
+              <a:spcAft>
+                <a:spcPts val="0"/>
+              </a:spcAft>
+              <a:buClrTx/>
+              <a:buSzTx/>
+              <a:buFont typeface="Arial" panose="020B0604020202020204" pitchFamily="34" charset="0"/>
+              <a:buNone/>
+              <a:tabLst/>
+            </a:pPr>
+            <a:r>
+              <a:rPr kumimoji="0" lang="en-GB" sz="1200" b="1" i="0" u="none" strike="noStrike" kern="1200" cap="none" spc="0" normalizeH="0" baseline="0" noProof="0" dirty="0">
+                <a:ln>
+                  <a:noFill/>
+                </a:ln>
+                <a:solidFill>
+                  <a:srgbClr val="003379"/>
+                </a:solidFill>
+                <a:effectLst/>
+                <a:uLnTx/>
+                <a:uFillTx/>
+                <a:latin typeface="Arial" panose="020B0604020202020204"/>
+                <a:ea typeface="+mn-ea"/>
+                <a:cs typeface="Arial" panose="020B0604020202020204" pitchFamily="34" charset="0"/>
+              </a:rPr>
+              <a:t>{ Resource: </a:t>
+            </a:r>
+            <a:r>
+              <a:rPr kumimoji="0" lang="en-GB" sz="1200" b="1" i="0" u="none" strike="noStrike" kern="1200" cap="none" spc="0" normalizeH="0" baseline="0" noProof="0" dirty="0" err="1">
+                <a:ln>
+                  <a:noFill/>
+                </a:ln>
+                <a:solidFill>
+                  <a:srgbClr val="003379"/>
+                </a:solidFill>
+                <a:effectLst/>
+                <a:uLnTx/>
+                <a:uFillTx/>
+                <a:latin typeface="Arial" panose="020B0604020202020204"/>
+                <a:ea typeface="+mn-ea"/>
+                <a:cs typeface="Arial" panose="020B0604020202020204" pitchFamily="34" charset="0"/>
+              </a:rPr>
+              <a:t>crown_court</a:t>
+            </a:r>
+            <a:r>
+              <a:rPr kumimoji="0" lang="en-GB" sz="1200" b="1" i="0" u="none" strike="noStrike" kern="1200" cap="none" spc="0" normalizeH="0" baseline="0" noProof="0" dirty="0">
+                <a:ln>
+                  <a:noFill/>
+                </a:ln>
+                <a:solidFill>
+                  <a:srgbClr val="003379"/>
+                </a:solidFill>
+                <a:effectLst/>
+                <a:uLnTx/>
+                <a:uFillTx/>
+                <a:latin typeface="Arial" panose="020B0604020202020204"/>
+                <a:ea typeface="+mn-ea"/>
+                <a:cs typeface="Arial" panose="020B0604020202020204" pitchFamily="34" charset="0"/>
+              </a:rPr>
+              <a:t> | monitored: TRUE | server status: 292(292) | queue status: 126978(Inf) }</a:t>
+            </a:r>
+          </a:p>
+          <a:p>
+            <a:pPr marL="0" marR="0" indent="0" defTabSz="914400" rtl="0" eaLnBrk="1" fontAlgn="auto" latinLnBrk="0" hangingPunct="1">
+              <a:lnSpc>
+                <a:spcPct val="90000"/>
+              </a:lnSpc>
+              <a:spcBef>
+                <a:spcPts val="1000"/>
+              </a:spcBef>
+              <a:spcAft>
+                <a:spcPts val="0"/>
+              </a:spcAft>
+              <a:buClrTx/>
+              <a:buSzTx/>
+              <a:buFont typeface="Arial" panose="020B0604020202020204" pitchFamily="34" charset="0"/>
+              <a:buNone/>
+              <a:tabLst/>
+            </a:pPr>
+            <a:r>
+              <a:rPr kumimoji="0" lang="en-GB" sz="1200" b="1" i="0" u="none" strike="noStrike" kern="1200" cap="none" spc="0" normalizeH="0" baseline="0" noProof="0" dirty="0">
+                <a:ln>
+                  <a:noFill/>
+                </a:ln>
+                <a:solidFill>
+                  <a:srgbClr val="003379"/>
+                </a:solidFill>
+                <a:effectLst/>
+                <a:uLnTx/>
+                <a:uFillTx/>
+                <a:latin typeface="Arial" panose="020B0604020202020204"/>
+                <a:ea typeface="+mn-ea"/>
+                <a:cs typeface="Arial" panose="020B0604020202020204" pitchFamily="34" charset="0"/>
+              </a:rPr>
+              <a:t>{ Resource: </a:t>
+            </a:r>
+            <a:r>
+              <a:rPr kumimoji="0" lang="en-GB" sz="1200" b="1" i="0" u="none" strike="noStrike" kern="1200" cap="none" spc="0" normalizeH="0" baseline="0" noProof="0" dirty="0" err="1">
+                <a:ln>
+                  <a:noFill/>
+                </a:ln>
+                <a:solidFill>
+                  <a:srgbClr val="003379"/>
+                </a:solidFill>
+                <a:effectLst/>
+                <a:uLnTx/>
+                <a:uFillTx/>
+                <a:latin typeface="Arial" panose="020B0604020202020204"/>
+                <a:ea typeface="+mn-ea"/>
+                <a:cs typeface="Arial" panose="020B0604020202020204" pitchFamily="34" charset="0"/>
+              </a:rPr>
+              <a:t>magistrate_court</a:t>
+            </a:r>
+            <a:r>
+              <a:rPr kumimoji="0" lang="en-GB" sz="1200" b="1" i="0" u="none" strike="noStrike" kern="1200" cap="none" spc="0" normalizeH="0" baseline="0" noProof="0" dirty="0">
+                <a:ln>
+                  <a:noFill/>
+                </a:ln>
+                <a:solidFill>
+                  <a:srgbClr val="003379"/>
+                </a:solidFill>
+                <a:effectLst/>
+                <a:uLnTx/>
+                <a:uFillTx/>
+                <a:latin typeface="Arial" panose="020B0604020202020204"/>
+                <a:ea typeface="+mn-ea"/>
+                <a:cs typeface="Arial" panose="020B0604020202020204" pitchFamily="34" charset="0"/>
+              </a:rPr>
+              <a:t> | monitored: TRUE | server status: 3957(5423) | queue status: 0(Inf) }</a:t>
+            </a:r>
+          </a:p>
+          <a:p>
+            <a:pPr marL="0" marR="0" indent="0" defTabSz="914400" rtl="0" eaLnBrk="1" fontAlgn="auto" latinLnBrk="0" hangingPunct="1">
+              <a:lnSpc>
+                <a:spcPct val="90000"/>
+              </a:lnSpc>
+              <a:spcBef>
+                <a:spcPts val="1000"/>
+              </a:spcBef>
+              <a:spcAft>
+                <a:spcPts val="0"/>
+              </a:spcAft>
+              <a:buClrTx/>
+              <a:buSzTx/>
+              <a:buFont typeface="Arial" panose="020B0604020202020204" pitchFamily="34" charset="0"/>
+              <a:buNone/>
+              <a:tabLst/>
+            </a:pPr>
+            <a:endParaRPr lang="en-GB" sz="1200" b="1" dirty="0">
+              <a:solidFill>
+                <a:srgbClr val="003379"/>
+              </a:solidFill>
+              <a:latin typeface="Arial" panose="020B0604020202020204"/>
+              <a:cs typeface="Arial" panose="020B0604020202020204" pitchFamily="34" charset="0"/>
+            </a:endParaRPr>
+          </a:p>
+          <a:p>
+            <a:pPr marL="0" marR="0" indent="0" defTabSz="914400" rtl="0" eaLnBrk="1" fontAlgn="auto" latinLnBrk="0" hangingPunct="1">
+              <a:lnSpc>
+                <a:spcPct val="90000"/>
+              </a:lnSpc>
+              <a:spcBef>
+                <a:spcPts val="1000"/>
+              </a:spcBef>
+              <a:spcAft>
+                <a:spcPts val="0"/>
+              </a:spcAft>
+              <a:buClrTx/>
+              <a:buSzTx/>
+              <a:buFont typeface="Arial" panose="020B0604020202020204" pitchFamily="34" charset="0"/>
+              <a:buNone/>
+              <a:tabLst/>
+            </a:pPr>
+            <a:r>
+              <a:rPr lang="en-GB" sz="1200" b="1" dirty="0">
+                <a:solidFill>
+                  <a:srgbClr val="003379"/>
+                </a:solidFill>
+                <a:latin typeface="Arial" panose="020B0604020202020204"/>
+                <a:cs typeface="Arial" panose="020B0604020202020204" pitchFamily="34" charset="0"/>
+              </a:rPr>
+              <a:t>Keeping Magistrate Court cases in MCs for sentencing (with an expected reduced sentencing hearing time):</a:t>
+            </a:r>
+          </a:p>
+          <a:p>
+            <a:pPr marL="0" marR="0" indent="0" defTabSz="914400" rtl="0" eaLnBrk="1" fontAlgn="auto" latinLnBrk="0" hangingPunct="1">
+              <a:lnSpc>
+                <a:spcPct val="90000"/>
+              </a:lnSpc>
+              <a:spcBef>
+                <a:spcPts val="1000"/>
+              </a:spcBef>
+              <a:spcAft>
+                <a:spcPts val="0"/>
+              </a:spcAft>
+              <a:buClrTx/>
+              <a:buSzTx/>
+              <a:buFont typeface="Arial" panose="020B0604020202020204" pitchFamily="34" charset="0"/>
+              <a:buNone/>
+              <a:tabLst/>
+            </a:pPr>
+            <a:r>
+              <a:rPr kumimoji="0" lang="en-GB" sz="1200" b="1" i="0" u="none" strike="noStrike" kern="1200" cap="none" spc="0" normalizeH="0" baseline="0" noProof="0" dirty="0">
+                <a:ln>
+                  <a:noFill/>
+                </a:ln>
+                <a:solidFill>
+                  <a:srgbClr val="003379"/>
+                </a:solidFill>
+                <a:effectLst/>
+                <a:uLnTx/>
+                <a:uFillTx/>
+                <a:latin typeface="Arial" panose="020B0604020202020204"/>
+                <a:ea typeface="+mn-ea"/>
+                <a:cs typeface="Arial" panose="020B0604020202020204" pitchFamily="34" charset="0"/>
+              </a:rPr>
+              <a:t>{ Resource: </a:t>
+            </a:r>
+            <a:r>
+              <a:rPr kumimoji="0" lang="en-GB" sz="1200" b="1" i="0" u="none" strike="noStrike" kern="1200" cap="none" spc="0" normalizeH="0" baseline="0" noProof="0" dirty="0" err="1">
+                <a:ln>
+                  <a:noFill/>
+                </a:ln>
+                <a:solidFill>
+                  <a:srgbClr val="003379"/>
+                </a:solidFill>
+                <a:effectLst/>
+                <a:uLnTx/>
+                <a:uFillTx/>
+                <a:latin typeface="Arial" panose="020B0604020202020204"/>
+                <a:ea typeface="+mn-ea"/>
+                <a:cs typeface="Arial" panose="020B0604020202020204" pitchFamily="34" charset="0"/>
+              </a:rPr>
+              <a:t>crown_court</a:t>
+            </a:r>
+            <a:r>
+              <a:rPr kumimoji="0" lang="en-GB" sz="1200" b="1" i="0" u="none" strike="noStrike" kern="1200" cap="none" spc="0" normalizeH="0" baseline="0" noProof="0" dirty="0">
+                <a:ln>
+                  <a:noFill/>
+                </a:ln>
+                <a:solidFill>
+                  <a:srgbClr val="003379"/>
+                </a:solidFill>
+                <a:effectLst/>
+                <a:uLnTx/>
+                <a:uFillTx/>
+                <a:latin typeface="Arial" panose="020B0604020202020204"/>
+                <a:ea typeface="+mn-ea"/>
+                <a:cs typeface="Arial" panose="020B0604020202020204" pitchFamily="34" charset="0"/>
+              </a:rPr>
+              <a:t> | monitored: TRUE | server status: 292(292) | queue status: 34355(Inf) }</a:t>
+            </a:r>
+          </a:p>
+          <a:p>
+            <a:pPr marL="0" marR="0" indent="0" defTabSz="914400" rtl="0" eaLnBrk="1" fontAlgn="auto" latinLnBrk="0" hangingPunct="1">
+              <a:lnSpc>
+                <a:spcPct val="90000"/>
+              </a:lnSpc>
+              <a:spcBef>
+                <a:spcPts val="1000"/>
+              </a:spcBef>
+              <a:spcAft>
+                <a:spcPts val="0"/>
+              </a:spcAft>
+              <a:buClrTx/>
+              <a:buSzTx/>
+              <a:buFont typeface="Arial" panose="020B0604020202020204" pitchFamily="34" charset="0"/>
+              <a:buNone/>
+              <a:tabLst/>
+            </a:pPr>
+            <a:r>
+              <a:rPr kumimoji="0" lang="en-GB" sz="1200" b="1" i="0" u="none" strike="noStrike" kern="1200" cap="none" spc="0" normalizeH="0" baseline="0" noProof="0" dirty="0">
+                <a:ln>
+                  <a:noFill/>
+                </a:ln>
+                <a:solidFill>
+                  <a:srgbClr val="003379"/>
+                </a:solidFill>
+                <a:effectLst/>
+                <a:uLnTx/>
+                <a:uFillTx/>
+                <a:latin typeface="Arial" panose="020B0604020202020204"/>
+                <a:ea typeface="+mn-ea"/>
+                <a:cs typeface="Arial" panose="020B0604020202020204" pitchFamily="34" charset="0"/>
+              </a:rPr>
+              <a:t>{ Resource: </a:t>
+            </a:r>
+            <a:r>
+              <a:rPr kumimoji="0" lang="en-GB" sz="1200" b="1" i="0" u="none" strike="noStrike" kern="1200" cap="none" spc="0" normalizeH="0" baseline="0" noProof="0" dirty="0" err="1">
+                <a:ln>
+                  <a:noFill/>
+                </a:ln>
+                <a:solidFill>
+                  <a:srgbClr val="003379"/>
+                </a:solidFill>
+                <a:effectLst/>
+                <a:uLnTx/>
+                <a:uFillTx/>
+                <a:latin typeface="Arial" panose="020B0604020202020204"/>
+                <a:ea typeface="+mn-ea"/>
+                <a:cs typeface="Arial" panose="020B0604020202020204" pitchFamily="34" charset="0"/>
+              </a:rPr>
+              <a:t>magistrate_court</a:t>
+            </a:r>
+            <a:r>
+              <a:rPr kumimoji="0" lang="en-GB" sz="1200" b="1" i="0" u="none" strike="noStrike" kern="1200" cap="none" spc="0" normalizeH="0" baseline="0" noProof="0" dirty="0">
+                <a:ln>
+                  <a:noFill/>
+                </a:ln>
+                <a:solidFill>
+                  <a:srgbClr val="003379"/>
+                </a:solidFill>
+                <a:effectLst/>
+                <a:uLnTx/>
+                <a:uFillTx/>
+                <a:latin typeface="Arial" panose="020B0604020202020204"/>
+                <a:ea typeface="+mn-ea"/>
+                <a:cs typeface="Arial" panose="020B0604020202020204" pitchFamily="34" charset="0"/>
+              </a:rPr>
+              <a:t> | monitored: TRUE | server status: 4014(5423) | queue status: 0(Inf) }</a:t>
+            </a:r>
+          </a:p>
+        </p:txBody>
+      </p:sp>
     </p:spTree>
     <p:extLst>
       <p:ext uri="{BB962C8B-B14F-4D97-AF65-F5344CB8AC3E}">
@@ -26919,7 +28138,7 @@
         <p:spPr>
           <a:xfrm>
             <a:off x="977756" y="1614394"/>
-            <a:ext cx="10211860" cy="4117024"/>
+            <a:ext cx="10211860" cy="4494564"/>
           </a:xfrm>
           <a:prstGeom prst="rect">
             <a:avLst/>
@@ -27178,7 +28397,7 @@
                 <a:latin typeface="Arial" panose="020B0604020202020204"/>
                 <a:cs typeface="Arial" panose="020B0604020202020204" pitchFamily="34" charset="0"/>
               </a:rPr>
-              <a:t>Resource capacity of Crown Court, Magistrate’s Court and Prisons</a:t>
+              <a:t>Resource capacity of Crown Court, Magistrate’s Court and Prisons.</a:t>
             </a:r>
           </a:p>
           <a:p>
@@ -27207,6 +28426,34 @@
                 <a:cs typeface="Arial" panose="020B0604020202020204" pitchFamily="34" charset="0"/>
               </a:rPr>
               <a:t>Different distributions for time taken for trials and sentencing hearings</a:t>
+            </a:r>
+          </a:p>
+          <a:p>
+            <a:pPr marL="285750" marR="0" indent="-285750" defTabSz="914400" rtl="0" eaLnBrk="1" fontAlgn="auto" latinLnBrk="0" hangingPunct="1">
+              <a:lnSpc>
+                <a:spcPct val="90000"/>
+              </a:lnSpc>
+              <a:spcBef>
+                <a:spcPts val="1000"/>
+              </a:spcBef>
+              <a:spcAft>
+                <a:spcPts val="0"/>
+              </a:spcAft>
+              <a:buClrTx/>
+              <a:buSzTx/>
+              <a:buFont typeface="Arial" panose="020B0604020202020204" pitchFamily="34" charset="0"/>
+              <a:buChar char="•"/>
+              <a:tabLst/>
+            </a:pPr>
+            <a:r>
+              <a:rPr lang="en-GB" dirty="0">
+                <a:solidFill>
+                  <a:srgbClr val="003379"/>
+                </a:solidFill>
+                <a:latin typeface="Arial" panose="020B0604020202020204"/>
+                <a:cs typeface="Arial" panose="020B0604020202020204" pitchFamily="34" charset="0"/>
+              </a:rPr>
+              <a:t>Our model flowchart</a:t>
             </a:r>
           </a:p>
           <a:p>
@@ -27315,7 +28562,7 @@
         </p:nvSpPr>
         <p:spPr>
           <a:xfrm>
-            <a:off x="942784" y="1199857"/>
+            <a:off x="964049" y="1295550"/>
             <a:ext cx="10599184" cy="5061869"/>
           </a:xfrm>
         </p:spPr>
@@ -27386,10 +28633,6 @@
             </a:r>
           </a:p>
           <a:p>
-            <a:pPr marL="971550" lvl="1" indent="-285750"/>
-            <a:endParaRPr lang="en-GB" sz="1400" dirty="0"/>
-          </a:p>
-          <a:p>
             <a:pPr marL="285750" indent="-285750">
               <a:buFont typeface="Arial" panose="020B0604020202020204" pitchFamily="34" charset="0"/>
               <a:buChar char="•"/>
@@ -27453,8 +28696,16 @@
           <a:p>
             <a:pPr marL="971550" lvl="1" indent="-285750"/>
             <a:r>
-              <a:rPr lang="en-GB" sz="1200" dirty="0"/>
-              <a:t>XXX</a:t>
+              <a:rPr lang="en-GB" sz="1400" dirty="0"/>
+              <a:t>Reasonably straightforward to use, </a:t>
+            </a:r>
+            <a:r>
+              <a:rPr lang="en-GB" sz="1400" b="1" dirty="0"/>
+              <a:t>but lack of documentation online </a:t>
+            </a:r>
+            <a:r>
+              <a:rPr lang="en-GB" sz="1400" dirty="0"/>
+              <a:t>makes understanding more complex parts of the system difficult</a:t>
             </a:r>
           </a:p>
         </p:txBody>
@@ -27494,7 +28745,7 @@
           <p:cNvPr id="2" name="Title 1">
             <a:extLst>
               <a:ext uri="{FF2B5EF4-FFF2-40B4-BE49-F238E27FC236}">
-                <a16:creationId xmlns:a16="http://schemas.microsoft.com/office/drawing/2014/main" id="{FCFE1589-EA59-6158-0ECB-A2C78B77A344}"/>
+                <a16:creationId xmlns:a16="http://schemas.microsoft.com/office/drawing/2014/main" id="{7E3B77EC-2ADE-407E-7AB0-16E7745BAA8C}"/>
               </a:ext>
             </a:extLst>
           </p:cNvPr>
@@ -27505,939 +28756,53 @@
             <p:ph type="title"/>
           </p:nvPr>
         </p:nvSpPr>
-        <p:spPr>
-          <a:xfrm>
-            <a:off x="2092835" y="567852"/>
-            <a:ext cx="5336847" cy="803933"/>
-          </a:xfrm>
-        </p:spPr>
+        <p:spPr/>
         <p:txBody>
           <a:bodyPr/>
           <a:lstStyle/>
           <a:p>
             <a:r>
               <a:rPr lang="en-GB" dirty="0"/>
-              <a:t>Design simulation</a:t>
-            </a:r>
-          </a:p>
-        </p:txBody>
-      </p:sp>
-      <p:sp>
-        <p:nvSpPr>
-          <p:cNvPr id="3" name="Content Placeholder 2">
-            <a:extLst>
-              <a:ext uri="{FF2B5EF4-FFF2-40B4-BE49-F238E27FC236}">
-                <a16:creationId xmlns:a16="http://schemas.microsoft.com/office/drawing/2014/main" id="{21815D30-3458-5733-9E04-4605261708C2}"/>
-              </a:ext>
-            </a:extLst>
-          </p:cNvPr>
-          <p:cNvSpPr>
-            <a:spLocks noGrp="1"/>
-          </p:cNvSpPr>
-          <p:nvPr>
-            <p:ph sz="half" idx="1"/>
-          </p:nvPr>
-        </p:nvSpPr>
-        <p:spPr>
-          <a:xfrm>
-            <a:off x="9984508" y="0"/>
-            <a:ext cx="2207492" cy="1939636"/>
-          </a:xfrm>
-        </p:spPr>
-        <p:txBody>
-          <a:bodyPr/>
-          <a:lstStyle/>
-          <a:p>
-            <a:pPr marL="342900" indent="-342900">
-              <a:buAutoNum type="arabicPeriod"/>
-            </a:pPr>
-            <a:r>
-              <a:rPr lang="en-GB" sz="800" dirty="0">
-                <a:solidFill>
-                  <a:schemeClr val="tx1"/>
-                </a:solidFill>
-              </a:rPr>
-              <a:t>Simulation design</a:t>
-            </a:r>
-          </a:p>
-          <a:p>
-            <a:pPr marL="342900" indent="-342900">
-              <a:buAutoNum type="arabicPeriod"/>
-            </a:pPr>
-            <a:r>
-              <a:rPr lang="en-GB" sz="800" dirty="0">
-                <a:solidFill>
-                  <a:schemeClr val="tx1">
-                    <a:lumMod val="20000"/>
-                    <a:lumOff val="80000"/>
-                  </a:schemeClr>
-                </a:solidFill>
-              </a:rPr>
-              <a:t>Data collection and parameterisation</a:t>
-            </a:r>
-          </a:p>
-          <a:p>
-            <a:pPr marL="342900" indent="-342900">
-              <a:buAutoNum type="arabicPeriod"/>
-            </a:pPr>
-            <a:r>
-              <a:rPr lang="en-GB" sz="800" dirty="0">
-                <a:solidFill>
-                  <a:schemeClr val="tx1">
-                    <a:lumMod val="20000"/>
-                    <a:lumOff val="80000"/>
-                  </a:schemeClr>
-                </a:solidFill>
-              </a:rPr>
-              <a:t>Output analysis and validation</a:t>
-            </a:r>
-          </a:p>
-          <a:p>
-            <a:pPr marL="342900" indent="-342900">
-              <a:buAutoNum type="arabicPeriod"/>
-            </a:pPr>
-            <a:r>
-              <a:rPr lang="en-GB" sz="800" dirty="0">
-                <a:solidFill>
-                  <a:schemeClr val="tx1">
-                    <a:lumMod val="20000"/>
-                    <a:lumOff val="80000"/>
-                  </a:schemeClr>
-                </a:solidFill>
-              </a:rPr>
-              <a:t>Experimentation</a:t>
-            </a:r>
-          </a:p>
-          <a:p>
-            <a:pPr marL="342900" indent="-342900">
-              <a:buAutoNum type="arabicPeriod"/>
-            </a:pPr>
-            <a:r>
-              <a:rPr lang="en-GB" sz="800" dirty="0">
-                <a:solidFill>
-                  <a:schemeClr val="tx1">
-                    <a:lumMod val="20000"/>
-                    <a:lumOff val="80000"/>
-                  </a:schemeClr>
-                </a:solidFill>
-              </a:rPr>
-              <a:t>Sensitivity analysis</a:t>
+              <a:t>Thank you!</a:t>
             </a:r>
           </a:p>
         </p:txBody>
       </p:sp>
       <p:pic>
         <p:nvPicPr>
-          <p:cNvPr id="6" name="Picture 5">
+          <p:cNvPr id="6" name="Picture Placeholder 5" descr="A group of question marks&#10;&#10;Description automatically generated">
             <a:extLst>
               <a:ext uri="{FF2B5EF4-FFF2-40B4-BE49-F238E27FC236}">
-                <a16:creationId xmlns:a16="http://schemas.microsoft.com/office/drawing/2014/main" id="{E7A8C299-BD12-6453-712A-14C893C059C6}"/>
+                <a16:creationId xmlns:a16="http://schemas.microsoft.com/office/drawing/2014/main" id="{851CE523-BFED-125F-3795-776DE226FD97}"/>
               </a:ext>
             </a:extLst>
           </p:cNvPr>
           <p:cNvPicPr>
-            <a:picLocks noChangeAspect="1"/>
+            <a:picLocks noGrp="1" noChangeAspect="1"/>
           </p:cNvPicPr>
-          <p:nvPr/>
+          <p:nvPr>
+            <p:ph type="pic" sz="quarter" idx="10"/>
+          </p:nvPr>
         </p:nvPicPr>
         <p:blipFill>
-          <a:blip r:embed="rId2"/>
+          <a:blip r:embed="rId2">
+            <a:extLst>
+              <a:ext uri="{28A0092B-C50C-407E-A947-70E740481C1C}">
+                <a14:useLocalDpi xmlns:a14="http://schemas.microsoft.com/office/drawing/2010/main" val="0"/>
+              </a:ext>
+            </a:extLst>
+          </a:blip>
+          <a:srcRect l="12807" r="12807"/>
           <a:stretch>
             <a:fillRect/>
           </a:stretch>
         </p:blipFill>
-        <p:spPr>
-          <a:xfrm>
-            <a:off x="1344449" y="2152650"/>
-            <a:ext cx="9503101" cy="4705350"/>
-          </a:xfrm>
-          <a:prstGeom prst="rect">
-            <a:avLst/>
-          </a:prstGeom>
-        </p:spPr>
+        <p:spPr/>
       </p:pic>
-      <p:sp>
-        <p:nvSpPr>
-          <p:cNvPr id="7" name="Freeform: Shape 6">
-            <a:extLst>
-              <a:ext uri="{FF2B5EF4-FFF2-40B4-BE49-F238E27FC236}">
-                <a16:creationId xmlns:a16="http://schemas.microsoft.com/office/drawing/2014/main" id="{1DD1DA5C-9FD0-4B32-6D02-C1887636BBDF}"/>
-              </a:ext>
-            </a:extLst>
-          </p:cNvPr>
-          <p:cNvSpPr/>
-          <p:nvPr/>
-        </p:nvSpPr>
-        <p:spPr>
-          <a:xfrm>
-            <a:off x="3771837" y="2152650"/>
-            <a:ext cx="6973469" cy="3019716"/>
-          </a:xfrm>
-          <a:custGeom>
-            <a:avLst/>
-            <a:gdLst>
-              <a:gd name="connsiteX0" fmla="*/ 661852 w 8857999"/>
-              <a:gd name="connsiteY0" fmla="*/ 1376894 h 3562745"/>
-              <a:gd name="connsiteX1" fmla="*/ 365760 w 8857999"/>
-              <a:gd name="connsiteY1" fmla="*/ 1463979 h 3562745"/>
-              <a:gd name="connsiteX2" fmla="*/ 226423 w 8857999"/>
-              <a:gd name="connsiteY2" fmla="*/ 1559774 h 3562745"/>
-              <a:gd name="connsiteX3" fmla="*/ 121920 w 8857999"/>
-              <a:gd name="connsiteY3" fmla="*/ 1638151 h 3562745"/>
-              <a:gd name="connsiteX4" fmla="*/ 87086 w 8857999"/>
-              <a:gd name="connsiteY4" fmla="*/ 1690402 h 3562745"/>
-              <a:gd name="connsiteX5" fmla="*/ 17417 w 8857999"/>
-              <a:gd name="connsiteY5" fmla="*/ 1847156 h 3562745"/>
-              <a:gd name="connsiteX6" fmla="*/ 0 w 8857999"/>
-              <a:gd name="connsiteY6" fmla="*/ 1925534 h 3562745"/>
-              <a:gd name="connsiteX7" fmla="*/ 17417 w 8857999"/>
-              <a:gd name="connsiteY7" fmla="*/ 2151956 h 3562745"/>
-              <a:gd name="connsiteX8" fmla="*/ 26126 w 8857999"/>
-              <a:gd name="connsiteY8" fmla="*/ 2230334 h 3562745"/>
-              <a:gd name="connsiteX9" fmla="*/ 60960 w 8857999"/>
-              <a:gd name="connsiteY9" fmla="*/ 2300002 h 3562745"/>
-              <a:gd name="connsiteX10" fmla="*/ 78377 w 8857999"/>
-              <a:gd name="connsiteY10" fmla="*/ 2360962 h 3562745"/>
-              <a:gd name="connsiteX11" fmla="*/ 209006 w 8857999"/>
-              <a:gd name="connsiteY11" fmla="*/ 2569968 h 3562745"/>
-              <a:gd name="connsiteX12" fmla="*/ 261257 w 8857999"/>
-              <a:gd name="connsiteY12" fmla="*/ 2639636 h 3562745"/>
-              <a:gd name="connsiteX13" fmla="*/ 478972 w 8857999"/>
-              <a:gd name="connsiteY13" fmla="*/ 2787682 h 3562745"/>
-              <a:gd name="connsiteX14" fmla="*/ 522515 w 8857999"/>
-              <a:gd name="connsiteY14" fmla="*/ 2805099 h 3562745"/>
-              <a:gd name="connsiteX15" fmla="*/ 896983 w 8857999"/>
-              <a:gd name="connsiteY15" fmla="*/ 2900894 h 3562745"/>
-              <a:gd name="connsiteX16" fmla="*/ 1010195 w 8857999"/>
-              <a:gd name="connsiteY16" fmla="*/ 2927019 h 3562745"/>
-              <a:gd name="connsiteX17" fmla="*/ 1184366 w 8857999"/>
-              <a:gd name="connsiteY17" fmla="*/ 2953145 h 3562745"/>
-              <a:gd name="connsiteX18" fmla="*/ 2751909 w 8857999"/>
-              <a:gd name="connsiteY18" fmla="*/ 2935728 h 3562745"/>
-              <a:gd name="connsiteX19" fmla="*/ 2934789 w 8857999"/>
-              <a:gd name="connsiteY19" fmla="*/ 2909602 h 3562745"/>
-              <a:gd name="connsiteX20" fmla="*/ 3013166 w 8857999"/>
-              <a:gd name="connsiteY20" fmla="*/ 2900894 h 3562745"/>
-              <a:gd name="connsiteX21" fmla="*/ 3161212 w 8857999"/>
-              <a:gd name="connsiteY21" fmla="*/ 2857351 h 3562745"/>
-              <a:gd name="connsiteX22" fmla="*/ 3431177 w 8857999"/>
-              <a:gd name="connsiteY22" fmla="*/ 2831225 h 3562745"/>
-              <a:gd name="connsiteX23" fmla="*/ 3901440 w 8857999"/>
-              <a:gd name="connsiteY23" fmla="*/ 2848642 h 3562745"/>
-              <a:gd name="connsiteX24" fmla="*/ 4005943 w 8857999"/>
-              <a:gd name="connsiteY24" fmla="*/ 2874768 h 3562745"/>
-              <a:gd name="connsiteX25" fmla="*/ 4275909 w 8857999"/>
-              <a:gd name="connsiteY25" fmla="*/ 2961854 h 3562745"/>
-              <a:gd name="connsiteX26" fmla="*/ 4589417 w 8857999"/>
-              <a:gd name="connsiteY26" fmla="*/ 3057648 h 3562745"/>
-              <a:gd name="connsiteX27" fmla="*/ 4859383 w 8857999"/>
-              <a:gd name="connsiteY27" fmla="*/ 3136025 h 3562745"/>
-              <a:gd name="connsiteX28" fmla="*/ 5268686 w 8857999"/>
-              <a:gd name="connsiteY28" fmla="*/ 3284071 h 3562745"/>
-              <a:gd name="connsiteX29" fmla="*/ 5442857 w 8857999"/>
-              <a:gd name="connsiteY29" fmla="*/ 3327614 h 3562745"/>
-              <a:gd name="connsiteX30" fmla="*/ 5791200 w 8857999"/>
-              <a:gd name="connsiteY30" fmla="*/ 3432116 h 3562745"/>
-              <a:gd name="connsiteX31" fmla="*/ 6331132 w 8857999"/>
-              <a:gd name="connsiteY31" fmla="*/ 3527911 h 3562745"/>
-              <a:gd name="connsiteX32" fmla="*/ 6783977 w 8857999"/>
-              <a:gd name="connsiteY32" fmla="*/ 3562745 h 3562745"/>
-              <a:gd name="connsiteX33" fmla="*/ 7149737 w 8857999"/>
-              <a:gd name="connsiteY33" fmla="*/ 3554036 h 3562745"/>
-              <a:gd name="connsiteX34" fmla="*/ 7393577 w 8857999"/>
-              <a:gd name="connsiteY34" fmla="*/ 3510494 h 3562745"/>
-              <a:gd name="connsiteX35" fmla="*/ 7768046 w 8857999"/>
-              <a:gd name="connsiteY35" fmla="*/ 3423408 h 3562745"/>
-              <a:gd name="connsiteX36" fmla="*/ 8281852 w 8857999"/>
-              <a:gd name="connsiteY36" fmla="*/ 3179568 h 3562745"/>
-              <a:gd name="connsiteX37" fmla="*/ 8421189 w 8857999"/>
-              <a:gd name="connsiteY37" fmla="*/ 3048939 h 3562745"/>
-              <a:gd name="connsiteX38" fmla="*/ 8647612 w 8857999"/>
-              <a:gd name="connsiteY38" fmla="*/ 2639636 h 3562745"/>
-              <a:gd name="connsiteX39" fmla="*/ 8795657 w 8857999"/>
-              <a:gd name="connsiteY39" fmla="*/ 2160665 h 3562745"/>
-              <a:gd name="connsiteX40" fmla="*/ 8839200 w 8857999"/>
-              <a:gd name="connsiteY40" fmla="*/ 1881991 h 3562745"/>
-              <a:gd name="connsiteX41" fmla="*/ 8830492 w 8857999"/>
-              <a:gd name="connsiteY41" fmla="*/ 1220139 h 3562745"/>
-              <a:gd name="connsiteX42" fmla="*/ 8795657 w 8857999"/>
-              <a:gd name="connsiteY42" fmla="*/ 1133054 h 3562745"/>
-              <a:gd name="connsiteX43" fmla="*/ 8612777 w 8857999"/>
-              <a:gd name="connsiteY43" fmla="*/ 906631 h 3562745"/>
-              <a:gd name="connsiteX44" fmla="*/ 8447315 w 8857999"/>
-              <a:gd name="connsiteY44" fmla="*/ 793419 h 3562745"/>
-              <a:gd name="connsiteX45" fmla="*/ 8038012 w 8857999"/>
-              <a:gd name="connsiteY45" fmla="*/ 593122 h 3562745"/>
-              <a:gd name="connsiteX46" fmla="*/ 7889966 w 8857999"/>
-              <a:gd name="connsiteY46" fmla="*/ 514745 h 3562745"/>
-              <a:gd name="connsiteX47" fmla="*/ 7750629 w 8857999"/>
-              <a:gd name="connsiteY47" fmla="*/ 471202 h 3562745"/>
-              <a:gd name="connsiteX48" fmla="*/ 7315200 w 8857999"/>
-              <a:gd name="connsiteY48" fmla="*/ 340574 h 3562745"/>
-              <a:gd name="connsiteX49" fmla="*/ 6897189 w 8857999"/>
-              <a:gd name="connsiteY49" fmla="*/ 270905 h 3562745"/>
-              <a:gd name="connsiteX50" fmla="*/ 6635932 w 8857999"/>
-              <a:gd name="connsiteY50" fmla="*/ 218654 h 3562745"/>
-              <a:gd name="connsiteX51" fmla="*/ 6148252 w 8857999"/>
-              <a:gd name="connsiteY51" fmla="*/ 157694 h 3562745"/>
-              <a:gd name="connsiteX52" fmla="*/ 5904412 w 8857999"/>
-              <a:gd name="connsiteY52" fmla="*/ 114151 h 3562745"/>
-              <a:gd name="connsiteX53" fmla="*/ 5468983 w 8857999"/>
-              <a:gd name="connsiteY53" fmla="*/ 79316 h 3562745"/>
-              <a:gd name="connsiteX54" fmla="*/ 5294812 w 8857999"/>
-              <a:gd name="connsiteY54" fmla="*/ 61899 h 3562745"/>
-              <a:gd name="connsiteX55" fmla="*/ 5199017 w 8857999"/>
-              <a:gd name="connsiteY55" fmla="*/ 44482 h 3562745"/>
-              <a:gd name="connsiteX56" fmla="*/ 4963886 w 8857999"/>
-              <a:gd name="connsiteY56" fmla="*/ 35774 h 3562745"/>
-              <a:gd name="connsiteX57" fmla="*/ 2838995 w 8857999"/>
-              <a:gd name="connsiteY57" fmla="*/ 88025 h 3562745"/>
-              <a:gd name="connsiteX58" fmla="*/ 2603863 w 8857999"/>
-              <a:gd name="connsiteY58" fmla="*/ 157694 h 3562745"/>
-              <a:gd name="connsiteX59" fmla="*/ 2316480 w 8857999"/>
-              <a:gd name="connsiteY59" fmla="*/ 192528 h 3562745"/>
-              <a:gd name="connsiteX60" fmla="*/ 1793966 w 8857999"/>
-              <a:gd name="connsiteY60" fmla="*/ 331865 h 3562745"/>
-              <a:gd name="connsiteX61" fmla="*/ 1637212 w 8857999"/>
-              <a:gd name="connsiteY61" fmla="*/ 392825 h 3562745"/>
-              <a:gd name="connsiteX62" fmla="*/ 1323703 w 8857999"/>
-              <a:gd name="connsiteY62" fmla="*/ 601831 h 3562745"/>
-              <a:gd name="connsiteX63" fmla="*/ 1175657 w 8857999"/>
-              <a:gd name="connsiteY63" fmla="*/ 706334 h 3562745"/>
-              <a:gd name="connsiteX64" fmla="*/ 1062446 w 8857999"/>
-              <a:gd name="connsiteY64" fmla="*/ 836962 h 3562745"/>
-              <a:gd name="connsiteX65" fmla="*/ 931817 w 8857999"/>
-              <a:gd name="connsiteY65" fmla="*/ 967591 h 3562745"/>
-              <a:gd name="connsiteX66" fmla="*/ 740229 w 8857999"/>
-              <a:gd name="connsiteY66" fmla="*/ 1254974 h 3562745"/>
-              <a:gd name="connsiteX67" fmla="*/ 696686 w 8857999"/>
-              <a:gd name="connsiteY67" fmla="*/ 1324642 h 3562745"/>
-              <a:gd name="connsiteX68" fmla="*/ 627017 w 8857999"/>
-              <a:gd name="connsiteY68" fmla="*/ 1403019 h 3562745"/>
-              <a:gd name="connsiteX69" fmla="*/ 600892 w 8857999"/>
-              <a:gd name="connsiteY69" fmla="*/ 1437854 h 3562745"/>
-              <a:gd name="connsiteX70" fmla="*/ 583475 w 8857999"/>
-              <a:gd name="connsiteY70" fmla="*/ 1463979 h 3562745"/>
-              <a:gd name="connsiteX71" fmla="*/ 566057 w 8857999"/>
-              <a:gd name="connsiteY71" fmla="*/ 1472688 h 3562745"/>
-            </a:gdLst>
-            <a:ahLst/>
-            <a:cxnLst>
-              <a:cxn ang="0">
-                <a:pos x="connsiteX0" y="connsiteY0"/>
-              </a:cxn>
-              <a:cxn ang="0">
-                <a:pos x="connsiteX1" y="connsiteY1"/>
-              </a:cxn>
-              <a:cxn ang="0">
-                <a:pos x="connsiteX2" y="connsiteY2"/>
-              </a:cxn>
-              <a:cxn ang="0">
-                <a:pos x="connsiteX3" y="connsiteY3"/>
-              </a:cxn>
-              <a:cxn ang="0">
-                <a:pos x="connsiteX4" y="connsiteY4"/>
-              </a:cxn>
-              <a:cxn ang="0">
-                <a:pos x="connsiteX5" y="connsiteY5"/>
-              </a:cxn>
-              <a:cxn ang="0">
-                <a:pos x="connsiteX6" y="connsiteY6"/>
-              </a:cxn>
-              <a:cxn ang="0">
-                <a:pos x="connsiteX7" y="connsiteY7"/>
-              </a:cxn>
-              <a:cxn ang="0">
-                <a:pos x="connsiteX8" y="connsiteY8"/>
-              </a:cxn>
-              <a:cxn ang="0">
-                <a:pos x="connsiteX9" y="connsiteY9"/>
-              </a:cxn>
-              <a:cxn ang="0">
-                <a:pos x="connsiteX10" y="connsiteY10"/>
-              </a:cxn>
-              <a:cxn ang="0">
-                <a:pos x="connsiteX11" y="connsiteY11"/>
-              </a:cxn>
-              <a:cxn ang="0">
-                <a:pos x="connsiteX12" y="connsiteY12"/>
-              </a:cxn>
-              <a:cxn ang="0">
-                <a:pos x="connsiteX13" y="connsiteY13"/>
-              </a:cxn>
-              <a:cxn ang="0">
-                <a:pos x="connsiteX14" y="connsiteY14"/>
-              </a:cxn>
-              <a:cxn ang="0">
-                <a:pos x="connsiteX15" y="connsiteY15"/>
-              </a:cxn>
-              <a:cxn ang="0">
-                <a:pos x="connsiteX16" y="connsiteY16"/>
-              </a:cxn>
-              <a:cxn ang="0">
-                <a:pos x="connsiteX17" y="connsiteY17"/>
-              </a:cxn>
-              <a:cxn ang="0">
-                <a:pos x="connsiteX18" y="connsiteY18"/>
-              </a:cxn>
-              <a:cxn ang="0">
-                <a:pos x="connsiteX19" y="connsiteY19"/>
-              </a:cxn>
-              <a:cxn ang="0">
-                <a:pos x="connsiteX20" y="connsiteY20"/>
-              </a:cxn>
-              <a:cxn ang="0">
-                <a:pos x="connsiteX21" y="connsiteY21"/>
-              </a:cxn>
-              <a:cxn ang="0">
-                <a:pos x="connsiteX22" y="connsiteY22"/>
-              </a:cxn>
-              <a:cxn ang="0">
-                <a:pos x="connsiteX23" y="connsiteY23"/>
-              </a:cxn>
-              <a:cxn ang="0">
-                <a:pos x="connsiteX24" y="connsiteY24"/>
-              </a:cxn>
-              <a:cxn ang="0">
-                <a:pos x="connsiteX25" y="connsiteY25"/>
-              </a:cxn>
-              <a:cxn ang="0">
-                <a:pos x="connsiteX26" y="connsiteY26"/>
-              </a:cxn>
-              <a:cxn ang="0">
-                <a:pos x="connsiteX27" y="connsiteY27"/>
-              </a:cxn>
-              <a:cxn ang="0">
-                <a:pos x="connsiteX28" y="connsiteY28"/>
-              </a:cxn>
-              <a:cxn ang="0">
-                <a:pos x="connsiteX29" y="connsiteY29"/>
-              </a:cxn>
-              <a:cxn ang="0">
-                <a:pos x="connsiteX30" y="connsiteY30"/>
-              </a:cxn>
-              <a:cxn ang="0">
-                <a:pos x="connsiteX31" y="connsiteY31"/>
-              </a:cxn>
-              <a:cxn ang="0">
-                <a:pos x="connsiteX32" y="connsiteY32"/>
-              </a:cxn>
-              <a:cxn ang="0">
-                <a:pos x="connsiteX33" y="connsiteY33"/>
-              </a:cxn>
-              <a:cxn ang="0">
-                <a:pos x="connsiteX34" y="connsiteY34"/>
-              </a:cxn>
-              <a:cxn ang="0">
-                <a:pos x="connsiteX35" y="connsiteY35"/>
-              </a:cxn>
-              <a:cxn ang="0">
-                <a:pos x="connsiteX36" y="connsiteY36"/>
-              </a:cxn>
-              <a:cxn ang="0">
-                <a:pos x="connsiteX37" y="connsiteY37"/>
-              </a:cxn>
-              <a:cxn ang="0">
-                <a:pos x="connsiteX38" y="connsiteY38"/>
-              </a:cxn>
-              <a:cxn ang="0">
-                <a:pos x="connsiteX39" y="connsiteY39"/>
-              </a:cxn>
-              <a:cxn ang="0">
-                <a:pos x="connsiteX40" y="connsiteY40"/>
-              </a:cxn>
-              <a:cxn ang="0">
-                <a:pos x="connsiteX41" y="connsiteY41"/>
-              </a:cxn>
-              <a:cxn ang="0">
-                <a:pos x="connsiteX42" y="connsiteY42"/>
-              </a:cxn>
-              <a:cxn ang="0">
-                <a:pos x="connsiteX43" y="connsiteY43"/>
-              </a:cxn>
-              <a:cxn ang="0">
-                <a:pos x="connsiteX44" y="connsiteY44"/>
-              </a:cxn>
-              <a:cxn ang="0">
-                <a:pos x="connsiteX45" y="connsiteY45"/>
-              </a:cxn>
-              <a:cxn ang="0">
-                <a:pos x="connsiteX46" y="connsiteY46"/>
-              </a:cxn>
-              <a:cxn ang="0">
-                <a:pos x="connsiteX47" y="connsiteY47"/>
-              </a:cxn>
-              <a:cxn ang="0">
-                <a:pos x="connsiteX48" y="connsiteY48"/>
-              </a:cxn>
-              <a:cxn ang="0">
-                <a:pos x="connsiteX49" y="connsiteY49"/>
-              </a:cxn>
-              <a:cxn ang="0">
-                <a:pos x="connsiteX50" y="connsiteY50"/>
-              </a:cxn>
-              <a:cxn ang="0">
-                <a:pos x="connsiteX51" y="connsiteY51"/>
-              </a:cxn>
-              <a:cxn ang="0">
-                <a:pos x="connsiteX52" y="connsiteY52"/>
-              </a:cxn>
-              <a:cxn ang="0">
-                <a:pos x="connsiteX53" y="connsiteY53"/>
-              </a:cxn>
-              <a:cxn ang="0">
-                <a:pos x="connsiteX54" y="connsiteY54"/>
-              </a:cxn>
-              <a:cxn ang="0">
-                <a:pos x="connsiteX55" y="connsiteY55"/>
-              </a:cxn>
-              <a:cxn ang="0">
-                <a:pos x="connsiteX56" y="connsiteY56"/>
-              </a:cxn>
-              <a:cxn ang="0">
-                <a:pos x="connsiteX57" y="connsiteY57"/>
-              </a:cxn>
-              <a:cxn ang="0">
-                <a:pos x="connsiteX58" y="connsiteY58"/>
-              </a:cxn>
-              <a:cxn ang="0">
-                <a:pos x="connsiteX59" y="connsiteY59"/>
-              </a:cxn>
-              <a:cxn ang="0">
-                <a:pos x="connsiteX60" y="connsiteY60"/>
-              </a:cxn>
-              <a:cxn ang="0">
-                <a:pos x="connsiteX61" y="connsiteY61"/>
-              </a:cxn>
-              <a:cxn ang="0">
-                <a:pos x="connsiteX62" y="connsiteY62"/>
-              </a:cxn>
-              <a:cxn ang="0">
-                <a:pos x="connsiteX63" y="connsiteY63"/>
-              </a:cxn>
-              <a:cxn ang="0">
-                <a:pos x="connsiteX64" y="connsiteY64"/>
-              </a:cxn>
-              <a:cxn ang="0">
-                <a:pos x="connsiteX65" y="connsiteY65"/>
-              </a:cxn>
-              <a:cxn ang="0">
-                <a:pos x="connsiteX66" y="connsiteY66"/>
-              </a:cxn>
-              <a:cxn ang="0">
-                <a:pos x="connsiteX67" y="connsiteY67"/>
-              </a:cxn>
-              <a:cxn ang="0">
-                <a:pos x="connsiteX68" y="connsiteY68"/>
-              </a:cxn>
-              <a:cxn ang="0">
-                <a:pos x="connsiteX69" y="connsiteY69"/>
-              </a:cxn>
-              <a:cxn ang="0">
-                <a:pos x="connsiteX70" y="connsiteY70"/>
-              </a:cxn>
-              <a:cxn ang="0">
-                <a:pos x="connsiteX71" y="connsiteY71"/>
-              </a:cxn>
-            </a:cxnLst>
-            <a:rect l="l" t="t" r="r" b="b"/>
-            <a:pathLst>
-              <a:path w="8857999" h="3562745">
-                <a:moveTo>
-                  <a:pt x="661852" y="1376894"/>
-                </a:moveTo>
-                <a:cubicBezTo>
-                  <a:pt x="517081" y="1401022"/>
-                  <a:pt x="494301" y="1391674"/>
-                  <a:pt x="365760" y="1463979"/>
-                </a:cubicBezTo>
-                <a:cubicBezTo>
-                  <a:pt x="316635" y="1491612"/>
-                  <a:pt x="275360" y="1531810"/>
-                  <a:pt x="226423" y="1559774"/>
-                </a:cubicBezTo>
-                <a:cubicBezTo>
-                  <a:pt x="171036" y="1591423"/>
-                  <a:pt x="161493" y="1589784"/>
-                  <a:pt x="121920" y="1638151"/>
-                </a:cubicBezTo>
-                <a:cubicBezTo>
-                  <a:pt x="108665" y="1654352"/>
-                  <a:pt x="98057" y="1672575"/>
-                  <a:pt x="87086" y="1690402"/>
-                </a:cubicBezTo>
-                <a:cubicBezTo>
-                  <a:pt x="49253" y="1751882"/>
-                  <a:pt x="40131" y="1771442"/>
-                  <a:pt x="17417" y="1847156"/>
-                </a:cubicBezTo>
-                <a:cubicBezTo>
-                  <a:pt x="9727" y="1872791"/>
-                  <a:pt x="5806" y="1899408"/>
-                  <a:pt x="0" y="1925534"/>
-                </a:cubicBezTo>
-                <a:cubicBezTo>
-                  <a:pt x="5806" y="2001008"/>
-                  <a:pt x="10952" y="2076536"/>
-                  <a:pt x="17417" y="2151956"/>
-                </a:cubicBezTo>
-                <a:cubicBezTo>
-                  <a:pt x="19662" y="2178147"/>
-                  <a:pt x="18709" y="2205115"/>
-                  <a:pt x="26126" y="2230334"/>
-                </a:cubicBezTo>
-                <a:cubicBezTo>
-                  <a:pt x="33452" y="2255243"/>
-                  <a:pt x="51317" y="2275895"/>
-                  <a:pt x="60960" y="2300002"/>
-                </a:cubicBezTo>
-                <a:cubicBezTo>
-                  <a:pt x="68809" y="2319624"/>
-                  <a:pt x="69232" y="2341910"/>
-                  <a:pt x="78377" y="2360962"/>
-                </a:cubicBezTo>
-                <a:cubicBezTo>
-                  <a:pt x="161535" y="2534206"/>
-                  <a:pt x="132864" y="2473059"/>
-                  <a:pt x="209006" y="2569968"/>
-                </a:cubicBezTo>
-                <a:cubicBezTo>
-                  <a:pt x="226940" y="2592794"/>
-                  <a:pt x="239411" y="2620521"/>
-                  <a:pt x="261257" y="2639636"/>
-                </a:cubicBezTo>
-                <a:cubicBezTo>
-                  <a:pt x="304059" y="2677088"/>
-                  <a:pt x="410316" y="2753354"/>
-                  <a:pt x="478972" y="2787682"/>
-                </a:cubicBezTo>
-                <a:cubicBezTo>
-                  <a:pt x="492954" y="2794673"/>
-                  <a:pt x="507594" y="2800436"/>
-                  <a:pt x="522515" y="2805099"/>
-                </a:cubicBezTo>
-                <a:cubicBezTo>
-                  <a:pt x="829710" y="2901098"/>
-                  <a:pt x="661834" y="2852243"/>
-                  <a:pt x="896983" y="2900894"/>
-                </a:cubicBezTo>
-                <a:cubicBezTo>
-                  <a:pt x="934909" y="2908741"/>
-                  <a:pt x="972218" y="2919424"/>
-                  <a:pt x="1010195" y="2927019"/>
-                </a:cubicBezTo>
-                <a:cubicBezTo>
-                  <a:pt x="1081076" y="2941195"/>
-                  <a:pt x="1117236" y="2944753"/>
-                  <a:pt x="1184366" y="2953145"/>
-                </a:cubicBezTo>
-                <a:lnTo>
-                  <a:pt x="2751909" y="2935728"/>
-                </a:lnTo>
-                <a:cubicBezTo>
-                  <a:pt x="2848939" y="2934204"/>
-                  <a:pt x="2842342" y="2924198"/>
-                  <a:pt x="2934789" y="2909602"/>
-                </a:cubicBezTo>
-                <a:cubicBezTo>
-                  <a:pt x="2960754" y="2905502"/>
-                  <a:pt x="2987040" y="2903797"/>
-                  <a:pt x="3013166" y="2900894"/>
-                </a:cubicBezTo>
-                <a:cubicBezTo>
-                  <a:pt x="3064357" y="2883830"/>
-                  <a:pt x="3108197" y="2866990"/>
-                  <a:pt x="3161212" y="2857351"/>
-                </a:cubicBezTo>
-                <a:cubicBezTo>
-                  <a:pt x="3277945" y="2836127"/>
-                  <a:pt x="3307323" y="2838511"/>
-                  <a:pt x="3431177" y="2831225"/>
-                </a:cubicBezTo>
-                <a:cubicBezTo>
-                  <a:pt x="3587931" y="2837031"/>
-                  <a:pt x="3745026" y="2836792"/>
-                  <a:pt x="3901440" y="2848642"/>
-                </a:cubicBezTo>
-                <a:cubicBezTo>
-                  <a:pt x="3937244" y="2851354"/>
-                  <a:pt x="3971573" y="2864377"/>
-                  <a:pt x="4005943" y="2874768"/>
-                </a:cubicBezTo>
-                <a:cubicBezTo>
-                  <a:pt x="4096452" y="2902131"/>
-                  <a:pt x="4183606" y="2941342"/>
-                  <a:pt x="4275909" y="2961854"/>
-                </a:cubicBezTo>
-                <a:cubicBezTo>
-                  <a:pt x="4586038" y="3030771"/>
-                  <a:pt x="4279453" y="2954327"/>
-                  <a:pt x="4589417" y="3057648"/>
-                </a:cubicBezTo>
-                <a:cubicBezTo>
-                  <a:pt x="5122642" y="3235389"/>
-                  <a:pt x="4293079" y="2938268"/>
-                  <a:pt x="4859383" y="3136025"/>
-                </a:cubicBezTo>
-                <a:cubicBezTo>
-                  <a:pt x="4996356" y="3183857"/>
-                  <a:pt x="5127933" y="3248883"/>
-                  <a:pt x="5268686" y="3284071"/>
-                </a:cubicBezTo>
-                <a:cubicBezTo>
-                  <a:pt x="5326743" y="3298585"/>
-                  <a:pt x="5385280" y="3311300"/>
-                  <a:pt x="5442857" y="3327614"/>
-                </a:cubicBezTo>
-                <a:cubicBezTo>
-                  <a:pt x="5559493" y="3360661"/>
-                  <a:pt x="5671837" y="3410939"/>
-                  <a:pt x="5791200" y="3432116"/>
-                </a:cubicBezTo>
-                <a:cubicBezTo>
-                  <a:pt x="5971177" y="3464048"/>
-                  <a:pt x="6148679" y="3516853"/>
-                  <a:pt x="6331132" y="3527911"/>
-                </a:cubicBezTo>
-                <a:cubicBezTo>
-                  <a:pt x="6673872" y="3548683"/>
-                  <a:pt x="6523072" y="3535281"/>
-                  <a:pt x="6783977" y="3562745"/>
-                </a:cubicBezTo>
-                <a:cubicBezTo>
-                  <a:pt x="6905897" y="3559842"/>
-                  <a:pt x="7028228" y="3564451"/>
-                  <a:pt x="7149737" y="3554036"/>
-                </a:cubicBezTo>
-                <a:cubicBezTo>
-                  <a:pt x="7232001" y="3546985"/>
-                  <a:pt x="7312485" y="3526022"/>
-                  <a:pt x="7393577" y="3510494"/>
-                </a:cubicBezTo>
-                <a:cubicBezTo>
-                  <a:pt x="7471096" y="3495650"/>
-                  <a:pt x="7705944" y="3445009"/>
-                  <a:pt x="7768046" y="3423408"/>
-                </a:cubicBezTo>
-                <a:cubicBezTo>
-                  <a:pt x="7995910" y="3344151"/>
-                  <a:pt x="8120132" y="3314335"/>
-                  <a:pt x="8281852" y="3179568"/>
-                </a:cubicBezTo>
-                <a:cubicBezTo>
-                  <a:pt x="8330760" y="3138811"/>
-                  <a:pt x="8380717" y="3098084"/>
-                  <a:pt x="8421189" y="3048939"/>
-                </a:cubicBezTo>
-                <a:cubicBezTo>
-                  <a:pt x="8490845" y="2964356"/>
-                  <a:pt x="8612661" y="2722121"/>
-                  <a:pt x="8647612" y="2639636"/>
-                </a:cubicBezTo>
-                <a:cubicBezTo>
-                  <a:pt x="8707267" y="2498850"/>
-                  <a:pt x="8765488" y="2314254"/>
-                  <a:pt x="8795657" y="2160665"/>
-                </a:cubicBezTo>
-                <a:cubicBezTo>
-                  <a:pt x="8813779" y="2068410"/>
-                  <a:pt x="8824686" y="1974882"/>
-                  <a:pt x="8839200" y="1881991"/>
-                </a:cubicBezTo>
-                <a:cubicBezTo>
-                  <a:pt x="8858904" y="1586433"/>
-                  <a:pt x="8872438" y="1555708"/>
-                  <a:pt x="8830492" y="1220139"/>
-                </a:cubicBezTo>
-                <a:cubicBezTo>
-                  <a:pt x="8826614" y="1189116"/>
-                  <a:pt x="8813490" y="1158734"/>
-                  <a:pt x="8795657" y="1133054"/>
-                </a:cubicBezTo>
-                <a:cubicBezTo>
-                  <a:pt x="8740318" y="1053366"/>
-                  <a:pt x="8692846" y="961416"/>
-                  <a:pt x="8612777" y="906631"/>
-                </a:cubicBezTo>
-                <a:cubicBezTo>
-                  <a:pt x="8557623" y="868894"/>
-                  <a:pt x="8504740" y="827601"/>
-                  <a:pt x="8447315" y="793419"/>
-                </a:cubicBezTo>
-                <a:cubicBezTo>
-                  <a:pt x="8287801" y="698470"/>
-                  <a:pt x="8204825" y="674494"/>
-                  <a:pt x="8038012" y="593122"/>
-                </a:cubicBezTo>
-                <a:cubicBezTo>
-                  <a:pt x="7987827" y="568641"/>
-                  <a:pt x="7941369" y="536552"/>
-                  <a:pt x="7889966" y="514745"/>
-                </a:cubicBezTo>
-                <a:cubicBezTo>
-                  <a:pt x="7845170" y="495741"/>
-                  <a:pt x="7796793" y="486590"/>
-                  <a:pt x="7750629" y="471202"/>
-                </a:cubicBezTo>
-                <a:cubicBezTo>
-                  <a:pt x="7502038" y="388338"/>
-                  <a:pt x="7560604" y="395108"/>
-                  <a:pt x="7315200" y="340574"/>
-                </a:cubicBezTo>
-                <a:cubicBezTo>
-                  <a:pt x="7095909" y="291843"/>
-                  <a:pt x="7140819" y="313647"/>
-                  <a:pt x="6897189" y="270905"/>
-                </a:cubicBezTo>
-                <a:cubicBezTo>
-                  <a:pt x="6809715" y="255559"/>
-                  <a:pt x="6723451" y="233744"/>
-                  <a:pt x="6635932" y="218654"/>
-                </a:cubicBezTo>
-                <a:cubicBezTo>
-                  <a:pt x="6240873" y="150540"/>
-                  <a:pt x="6543717" y="214189"/>
-                  <a:pt x="6148252" y="157694"/>
-                </a:cubicBezTo>
-                <a:cubicBezTo>
-                  <a:pt x="6066516" y="146018"/>
-                  <a:pt x="5986434" y="123615"/>
-                  <a:pt x="5904412" y="114151"/>
-                </a:cubicBezTo>
-                <a:cubicBezTo>
-                  <a:pt x="5759765" y="97461"/>
-                  <a:pt x="5614058" y="91751"/>
-                  <a:pt x="5468983" y="79316"/>
-                </a:cubicBezTo>
-                <a:cubicBezTo>
-                  <a:pt x="5410850" y="74333"/>
-                  <a:pt x="5352679" y="69366"/>
-                  <a:pt x="5294812" y="61899"/>
-                </a:cubicBezTo>
-                <a:cubicBezTo>
-                  <a:pt x="5262624" y="57746"/>
-                  <a:pt x="5231371" y="47036"/>
-                  <a:pt x="5199017" y="44482"/>
-                </a:cubicBezTo>
-                <a:cubicBezTo>
-                  <a:pt x="5120830" y="38309"/>
-                  <a:pt x="5042263" y="38677"/>
-                  <a:pt x="4963886" y="35774"/>
-                </a:cubicBezTo>
-                <a:cubicBezTo>
-                  <a:pt x="4955831" y="35846"/>
-                  <a:pt x="3468534" y="-72709"/>
-                  <a:pt x="2838995" y="88025"/>
-                </a:cubicBezTo>
-                <a:cubicBezTo>
-                  <a:pt x="2759790" y="108247"/>
-                  <a:pt x="2684021" y="141662"/>
-                  <a:pt x="2603863" y="157694"/>
-                </a:cubicBezTo>
-                <a:cubicBezTo>
-                  <a:pt x="2509241" y="176618"/>
-                  <a:pt x="2411753" y="177216"/>
-                  <a:pt x="2316480" y="192528"/>
-                </a:cubicBezTo>
-                <a:cubicBezTo>
-                  <a:pt x="2154655" y="218536"/>
-                  <a:pt x="1939014" y="284395"/>
-                  <a:pt x="1793966" y="331865"/>
-                </a:cubicBezTo>
-                <a:cubicBezTo>
-                  <a:pt x="1740684" y="349303"/>
-                  <a:pt x="1685833" y="364913"/>
-                  <a:pt x="1637212" y="392825"/>
-                </a:cubicBezTo>
-                <a:cubicBezTo>
-                  <a:pt x="1528288" y="455356"/>
-                  <a:pt x="1427599" y="531260"/>
-                  <a:pt x="1323703" y="601831"/>
-                </a:cubicBezTo>
-                <a:cubicBezTo>
-                  <a:pt x="1273735" y="635771"/>
-                  <a:pt x="1215218" y="660687"/>
-                  <a:pt x="1175657" y="706334"/>
-                </a:cubicBezTo>
-                <a:cubicBezTo>
-                  <a:pt x="1137920" y="749877"/>
-                  <a:pt x="1101761" y="794839"/>
-                  <a:pt x="1062446" y="836962"/>
-                </a:cubicBezTo>
-                <a:cubicBezTo>
-                  <a:pt x="1020429" y="881980"/>
-                  <a:pt x="972024" y="920950"/>
-                  <a:pt x="931817" y="967591"/>
-                </a:cubicBezTo>
-                <a:cubicBezTo>
-                  <a:pt x="878024" y="1029991"/>
-                  <a:pt x="778391" y="1194364"/>
-                  <a:pt x="740229" y="1254974"/>
-                </a:cubicBezTo>
-                <a:cubicBezTo>
-                  <a:pt x="725638" y="1278148"/>
-                  <a:pt x="714880" y="1304174"/>
-                  <a:pt x="696686" y="1324642"/>
-                </a:cubicBezTo>
-                <a:cubicBezTo>
-                  <a:pt x="673463" y="1350768"/>
-                  <a:pt x="649596" y="1376335"/>
-                  <a:pt x="627017" y="1403019"/>
-                </a:cubicBezTo>
-                <a:cubicBezTo>
-                  <a:pt x="617642" y="1414099"/>
-                  <a:pt x="609328" y="1426043"/>
-                  <a:pt x="600892" y="1437854"/>
-                </a:cubicBezTo>
-                <a:cubicBezTo>
-                  <a:pt x="594809" y="1446371"/>
-                  <a:pt x="590876" y="1456578"/>
-                  <a:pt x="583475" y="1463979"/>
-                </a:cubicBezTo>
-                <a:cubicBezTo>
-                  <a:pt x="578885" y="1468569"/>
-                  <a:pt x="571863" y="1469785"/>
-                  <a:pt x="566057" y="1472688"/>
-                </a:cubicBezTo>
-              </a:path>
-            </a:pathLst>
-          </a:custGeom>
-          <a:noFill/>
-          <a:ln w="57150">
-            <a:solidFill>
-              <a:srgbClr val="FF0000"/>
-            </a:solidFill>
-          </a:ln>
-        </p:spPr>
-        <p:style>
-          <a:lnRef idx="2">
-            <a:schemeClr val="accent1">
-              <a:shade val="50000"/>
-            </a:schemeClr>
-          </a:lnRef>
-          <a:fillRef idx="1">
-            <a:schemeClr val="accent1"/>
-          </a:fillRef>
-          <a:effectRef idx="0">
-            <a:schemeClr val="accent1"/>
-          </a:effectRef>
-          <a:fontRef idx="minor">
-            <a:schemeClr val="lt1"/>
-          </a:fontRef>
-        </p:style>
-        <p:txBody>
-          <a:bodyPr rtlCol="0" anchor="ctr"/>
-          <a:lstStyle/>
-          <a:p>
-            <a:pPr algn="ctr"/>
-            <a:endParaRPr lang="en-GB" dirty="0"/>
-          </a:p>
-        </p:txBody>
-      </p:sp>
     </p:spTree>
     <p:extLst>
       <p:ext uri="{BB962C8B-B14F-4D97-AF65-F5344CB8AC3E}">
-        <p14:creationId xmlns:p14="http://schemas.microsoft.com/office/powerpoint/2010/main" val="1056437063"/>
+        <p14:creationId xmlns:p14="http://schemas.microsoft.com/office/powerpoint/2010/main" val="3462586140"/>
       </p:ext>
     </p:extLst>
   </p:cSld>
@@ -29406,7 +29771,7 @@
           <p:nvPr/>
         </p:nvPicPr>
         <p:blipFill>
-          <a:blip r:embed="rId3"/>
+          <a:blip r:embed="rId4"/>
           <a:stretch>
             <a:fillRect/>
           </a:stretch>
@@ -30566,11 +30931,6 @@
   <p:clrMapOvr>
     <a:masterClrMapping/>
   </p:clrMapOvr>
-  <p:extLst>
-    <p:ext uri="{6950BFC3-D8DA-4A85-94F7-54DA5524770B}">
-      <p188:commentRel xmlns:p188="http://schemas.microsoft.com/office/powerpoint/2018/8/main" r:id="rId3"/>
-    </p:ext>
-  </p:extLst>
 </p:sld>
 </file>
 
@@ -31174,7 +31534,7 @@
         <p:spPr>
           <a:xfrm>
             <a:off x="6949710" y="1604932"/>
-            <a:ext cx="4851991" cy="3416320"/>
+            <a:ext cx="4851991" cy="3724096"/>
           </a:xfrm>
           <a:prstGeom prst="rect">
             <a:avLst/>
@@ -31268,7 +31628,11 @@
             </a:r>
             <a:r>
               <a:rPr lang="en-GB" sz="2000" b="1" dirty="0"/>
-              <a:t>quality of the input data</a:t>
+              <a:t>quality of the input data </a:t>
+            </a:r>
+            <a:r>
+              <a:rPr lang="en-GB" sz="2000" dirty="0"/>
+              <a:t>– can be hard to source!</a:t>
             </a:r>
             <a:endParaRPr lang="en-GB" sz="2000" b="1" u="sng" dirty="0">
               <a:solidFill>
@@ -31320,11 +31684,6 @@
   <p:clrMapOvr>
     <a:masterClrMapping/>
   </p:clrMapOvr>
-  <p:extLst>
-    <p:ext uri="{6950BFC3-D8DA-4A85-94F7-54DA5524770B}">
-      <p188:commentRel xmlns:p188="http://schemas.microsoft.com/office/powerpoint/2018/8/main" r:id="rId4"/>
-    </p:ext>
-  </p:extLst>
 </p:sld>
 </file>
 
@@ -31691,7 +32050,7 @@
           </p:nvSpPr>
           <p:spPr>
             <a:xfrm>
-              <a:off x="7529310" y="2652452"/>
+              <a:off x="7663990" y="2652452"/>
               <a:ext cx="2211572" cy="803933"/>
             </a:xfrm>
             <a:prstGeom prst="rect">
@@ -32147,9 +32506,9 @@
           <p:grpSpPr>
             <a:xfrm>
               <a:off x="3501343" y="2233041"/>
-              <a:ext cx="5032744" cy="732168"/>
+              <a:ext cx="5032744" cy="419411"/>
               <a:chOff x="3579628" y="2233041"/>
-              <a:chExt cx="5032744" cy="732168"/>
+              <a:chExt cx="5032744" cy="419411"/>
             </a:xfrm>
           </p:grpSpPr>
           <p:cxnSp>
@@ -32168,9 +32527,9 @@
               <p:nvPr/>
             </p:nvCxnSpPr>
             <p:spPr>
-              <a:xfrm flipH="1">
-                <a:off x="6011252" y="2233041"/>
-                <a:ext cx="6776" cy="499526"/>
+              <a:xfrm>
+                <a:off x="6018028" y="2233041"/>
+                <a:ext cx="0" cy="191181"/>
               </a:xfrm>
               <a:prstGeom prst="line">
                 <a:avLst/>
@@ -32207,7 +32566,7 @@
             </p:nvCxnSpPr>
             <p:spPr>
               <a:xfrm flipH="1">
-                <a:off x="3579628" y="2732567"/>
+                <a:off x="3579628" y="2424222"/>
                 <a:ext cx="5032744" cy="0"/>
               </a:xfrm>
               <a:prstGeom prst="line">
@@ -32243,7 +32602,7 @@
             </p:nvCxnSpPr>
             <p:spPr>
               <a:xfrm>
-                <a:off x="3579628" y="2732567"/>
+                <a:off x="3579628" y="2424222"/>
                 <a:ext cx="0" cy="202619"/>
               </a:xfrm>
               <a:prstGeom prst="straightConnector1">
@@ -32284,7 +32643,7 @@
             </p:nvCxnSpPr>
             <p:spPr>
               <a:xfrm>
-                <a:off x="8612372" y="2741866"/>
+                <a:off x="8612372" y="2429109"/>
                 <a:ext cx="0" cy="223343"/>
               </a:xfrm>
               <a:prstGeom prst="straightConnector1">
@@ -33163,11 +33522,6 @@
   <p:clrMapOvr>
     <a:masterClrMapping/>
   </p:clrMapOvr>
-  <p:extLst>
-    <p:ext uri="{6950BFC3-D8DA-4A85-94F7-54DA5524770B}">
-      <p188:commentRel xmlns:p188="http://schemas.microsoft.com/office/powerpoint/2018/8/main" r:id="rId3"/>
-    </p:ext>
-  </p:extLst>
 </p:sld>
 </file>
 
@@ -34903,98 +35257,6 @@
 </file>
 
 <file path=customXml/item1.xml><?xml version="1.0" encoding="utf-8"?>
-<?mso-contentType ?>
-<spe:Receivers xmlns:spe="http://schemas.microsoft.com/sharepoint/events">
-  <Receiver>
-    <Name>Document ID Generator</Name>
-    <Synchronization>Synchronous</Synchronization>
-    <Type>10001</Type>
-    <SequenceNumber>1000</SequenceNumber>
-    <Url/>
-    <Assembly>Microsoft.Office.DocumentManagement, Version=16.0.0.0, Culture=neutral, PublicKeyToken=71e9bce111e9429c</Assembly>
-    <Class>Microsoft.Office.DocumentManagement.Internal.DocIdHandler</Class>
-    <Data/>
-    <Filter/>
-  </Receiver>
-  <Receiver>
-    <Name>Document ID Generator</Name>
-    <Synchronization>Synchronous</Synchronization>
-    <Type>10002</Type>
-    <SequenceNumber>1001</SequenceNumber>
-    <Url/>
-    <Assembly>Microsoft.Office.DocumentManagement, Version=16.0.0.0, Culture=neutral, PublicKeyToken=71e9bce111e9429c</Assembly>
-    <Class>Microsoft.Office.DocumentManagement.Internal.DocIdHandler</Class>
-    <Data/>
-    <Filter/>
-  </Receiver>
-  <Receiver>
-    <Name>Document ID Generator</Name>
-    <Synchronization>Synchronous</Synchronization>
-    <Type>10004</Type>
-    <SequenceNumber>1002</SequenceNumber>
-    <Url/>
-    <Assembly>Microsoft.Office.DocumentManagement, Version=16.0.0.0, Culture=neutral, PublicKeyToken=71e9bce111e9429c</Assembly>
-    <Class>Microsoft.Office.DocumentManagement.Internal.DocIdHandler</Class>
-    <Data/>
-    <Filter/>
-  </Receiver>
-  <Receiver>
-    <Name>Document ID Generator</Name>
-    <Synchronization>Synchronous</Synchronization>
-    <Type>10006</Type>
-    <SequenceNumber>1003</SequenceNumber>
-    <Url/>
-    <Assembly>Microsoft.Office.DocumentManagement, Version=16.0.0.0, Culture=neutral, PublicKeyToken=71e9bce111e9429c</Assembly>
-    <Class>Microsoft.Office.DocumentManagement.Internal.DocIdHandler</Class>
-    <Data/>
-    <Filter/>
-  </Receiver>
-</spe:Receivers>
-</file>
-
-<file path=customXml/item2.xml><?xml version="1.0" encoding="utf-8"?>
-<p:properties xmlns:p="http://schemas.microsoft.com/office/2006/metadata/properties" xmlns:xsi="http://www.w3.org/2001/XMLSchema-instance" xmlns:pc="http://schemas.microsoft.com/office/infopath/2007/PartnerControls">
-  <documentManagement>
-    <LegacyData xmlns="aaacb922-5235-4a66-b188-303b9b46fbd7" xsi:nil="true"/>
-    <TaxCatchAll xmlns="abd17da8-7562-4e78-8480-559f5ede032f">
-      <Value>1</Value>
-    </TaxCatchAll>
-    <_dlc_DocId xmlns="abd17da8-7562-4e78-8480-559f5ede032f">UKD3MR57PZNM-407103085-406584</_dlc_DocId>
-    <_dlc_DocIdUrl xmlns="abd17da8-7562-4e78-8480-559f5ede032f">
-      <Url>https://beisgov.sharepoint.com/sites/CarbonHydrogenandIndustryAnalysis/_layouts/15/DocIdRedir.aspx?ID=UKD3MR57PZNM-407103085-406584</Url>
-      <Description>UKD3MR57PZNM-407103085-406584</Description>
-    </_dlc_DocIdUrl>
-    <Government_x0020_Body xmlns="b413c3fd-5a3b-4239-b985-69032e371c04">BEIS</Government_x0020_Body>
-    <Date_x0020_Opened xmlns="b413c3fd-5a3b-4239-b985-69032e371c04">2024-08-13T17:02:51+00:00</Date_x0020_Opened>
-    <lcf76f155ced4ddcb4097134ff3c332f xmlns="249c3fad-5317-44e6-84cb-58514f942bf6">
-      <Terms xmlns="http://schemas.microsoft.com/office/infopath/2007/PartnerControls"/>
-    </lcf76f155ced4ddcb4097134ff3c332f>
-    <Descriptor xmlns="0063f72e-ace3-48fb-9c1f-5b513408b31f" xsi:nil="true"/>
-    <m975189f4ba442ecbf67d4147307b177 xmlns="abd17da8-7562-4e78-8480-559f5ede032f">
-      <Terms xmlns="http://schemas.microsoft.com/office/infopath/2007/PartnerControls">
-        <TermInfo xmlns="http://schemas.microsoft.com/office/infopath/2007/PartnerControls">
-          <TermName xmlns="http://schemas.microsoft.com/office/infopath/2007/PartnerControls">BEIS:Energy, Transformation and Clean Growth:Industrial Energy</TermName>
-          <TermId xmlns="http://schemas.microsoft.com/office/infopath/2007/PartnerControls">196d2126-cc91-40b4-bd0b-d2f757bf15bb</TermId>
-        </TermInfo>
-      </Terms>
-    </m975189f4ba442ecbf67d4147307b177>
-    <Security_x0020_Classification xmlns="0063f72e-ace3-48fb-9c1f-5b513408b31f">OFFICIAL</Security_x0020_Classification>
-    <Retention_x0020_Label xmlns="a8f60570-4bd3-4f2b-950b-a996de8ab151" xsi:nil="true"/>
-    <Date_x0020_Closed xmlns="b413c3fd-5a3b-4239-b985-69032e371c04" xsi:nil="true"/>
-  </documentManagement>
-</p:properties>
-</file>
-
-<file path=customXml/item3.xml><?xml version="1.0" encoding="utf-8"?>
-<?mso-contentType ?>
-<FormTemplates xmlns="http://schemas.microsoft.com/sharepoint/v3/contenttype/forms">
-  <Display>DocumentLibraryForm</Display>
-  <Edit>DocumentLibraryForm</Edit>
-  <New>DocumentLibraryForm</New>
-</FormTemplates>
-</file>
-
-<file path=customXml/item4.xml><?xml version="1.0" encoding="utf-8"?>
 <ct:contentTypeSchema xmlns:ct="http://schemas.microsoft.com/office/2006/metadata/contentType" xmlns:ma="http://schemas.microsoft.com/office/2006/metadata/properties/metaAttributes" ct:_="" ma:_="" ma:contentTypeName="Document" ma:contentTypeID="0x010100C7E877172EF83E42822E428AAA0F149E" ma:contentTypeVersion="26" ma:contentTypeDescription="Create a new document." ma:contentTypeScope="" ma:versionID="f2baae7bff9fb644778252cc78e34025">
   <xsd:schema xmlns:xsd="http://www.w3.org/2001/XMLSchema" xmlns:xs="http://www.w3.org/2001/XMLSchema" xmlns:p="http://schemas.microsoft.com/office/2006/metadata/properties" xmlns:ns2="abd17da8-7562-4e78-8480-559f5ede032f" xmlns:ns3="0063f72e-ace3-48fb-9c1f-5b513408b31f" xmlns:ns4="b413c3fd-5a3b-4239-b985-69032e371c04" xmlns:ns5="a8f60570-4bd3-4f2b-950b-a996de8ab151" xmlns:ns6="aaacb922-5235-4a66-b188-303b9b46fbd7" xmlns:ns7="249c3fad-5317-44e6-84cb-58514f942bf6" targetNamespace="http://schemas.microsoft.com/office/2006/metadata/properties" ma:root="true" ma:fieldsID="46e83292a8bd1177d96ccc0b02a71a14" ns2:_="" ns3:_="" ns4:_="" ns5:_="" ns6:_="" ns7:_="">
     <xsd:import namespace="abd17da8-7562-4e78-8480-559f5ede032f"/>
@@ -35367,44 +35629,99 @@
 </ct:contentTypeSchema>
 </file>
 
-<file path=customXml/itemProps1.xml><?xml version="1.0" encoding="utf-8"?>
-<ds:datastoreItem xmlns:ds="http://schemas.openxmlformats.org/officeDocument/2006/customXml" ds:itemID="{FD75D685-6A8A-4715-BD28-18348DED9FD7}">
-  <ds:schemaRefs>
-    <ds:schemaRef ds:uri="http://schemas.microsoft.com/sharepoint/events"/>
-  </ds:schemaRefs>
-</ds:datastoreItem>
+<file path=customXml/item2.xml><?xml version="1.0" encoding="utf-8"?>
+<?mso-contentType ?>
+<spe:Receivers xmlns:spe="http://schemas.microsoft.com/sharepoint/events">
+  <Receiver>
+    <Name>Document ID Generator</Name>
+    <Synchronization>Synchronous</Synchronization>
+    <Type>10001</Type>
+    <SequenceNumber>1000</SequenceNumber>
+    <Url/>
+    <Assembly>Microsoft.Office.DocumentManagement, Version=16.0.0.0, Culture=neutral, PublicKeyToken=71e9bce111e9429c</Assembly>
+    <Class>Microsoft.Office.DocumentManagement.Internal.DocIdHandler</Class>
+    <Data/>
+    <Filter/>
+  </Receiver>
+  <Receiver>
+    <Name>Document ID Generator</Name>
+    <Synchronization>Synchronous</Synchronization>
+    <Type>10002</Type>
+    <SequenceNumber>1001</SequenceNumber>
+    <Url/>
+    <Assembly>Microsoft.Office.DocumentManagement, Version=16.0.0.0, Culture=neutral, PublicKeyToken=71e9bce111e9429c</Assembly>
+    <Class>Microsoft.Office.DocumentManagement.Internal.DocIdHandler</Class>
+    <Data/>
+    <Filter/>
+  </Receiver>
+  <Receiver>
+    <Name>Document ID Generator</Name>
+    <Synchronization>Synchronous</Synchronization>
+    <Type>10004</Type>
+    <SequenceNumber>1002</SequenceNumber>
+    <Url/>
+    <Assembly>Microsoft.Office.DocumentManagement, Version=16.0.0.0, Culture=neutral, PublicKeyToken=71e9bce111e9429c</Assembly>
+    <Class>Microsoft.Office.DocumentManagement.Internal.DocIdHandler</Class>
+    <Data/>
+    <Filter/>
+  </Receiver>
+  <Receiver>
+    <Name>Document ID Generator</Name>
+    <Synchronization>Synchronous</Synchronization>
+    <Type>10006</Type>
+    <SequenceNumber>1003</SequenceNumber>
+    <Url/>
+    <Assembly>Microsoft.Office.DocumentManagement, Version=16.0.0.0, Culture=neutral, PublicKeyToken=71e9bce111e9429c</Assembly>
+    <Class>Microsoft.Office.DocumentManagement.Internal.DocIdHandler</Class>
+    <Data/>
+    <Filter/>
+  </Receiver>
+</spe:Receivers>
 </file>
 
-<file path=customXml/itemProps2.xml><?xml version="1.0" encoding="utf-8"?>
-<ds:datastoreItem xmlns:ds="http://schemas.openxmlformats.org/officeDocument/2006/customXml" ds:itemID="{17956B07-15A4-48DC-99CD-E9824545002E}">
-  <ds:schemaRefs>
-    <ds:schemaRef ds:uri="0063f72e-ace3-48fb-9c1f-5b513408b31f"/>
-    <ds:schemaRef ds:uri="http://www.w3.org/XML/1998/namespace"/>
-    <ds:schemaRef ds:uri="http://schemas.microsoft.com/office/infopath/2007/PartnerControls"/>
-    <ds:schemaRef ds:uri="http://schemas.openxmlformats.org/package/2006/metadata/core-properties"/>
-    <ds:schemaRef ds:uri="http://schemas.microsoft.com/office/2006/documentManagement/types"/>
-    <ds:schemaRef ds:uri="http://purl.org/dc/dcmitype/"/>
-    <ds:schemaRef ds:uri="http://purl.org/dc/elements/1.1/"/>
-    <ds:schemaRef ds:uri="http://purl.org/dc/terms/"/>
-    <ds:schemaRef ds:uri="http://schemas.microsoft.com/office/2006/metadata/properties"/>
-    <ds:schemaRef ds:uri="249c3fad-5317-44e6-84cb-58514f942bf6"/>
-    <ds:schemaRef ds:uri="aaacb922-5235-4a66-b188-303b9b46fbd7"/>
-    <ds:schemaRef ds:uri="a8f60570-4bd3-4f2b-950b-a996de8ab151"/>
-    <ds:schemaRef ds:uri="b413c3fd-5a3b-4239-b985-69032e371c04"/>
-    <ds:schemaRef ds:uri="abd17da8-7562-4e78-8480-559f5ede032f"/>
-  </ds:schemaRefs>
-</ds:datastoreItem>
+<file path=customXml/item3.xml><?xml version="1.0" encoding="utf-8"?>
+<p:properties xmlns:p="http://schemas.microsoft.com/office/2006/metadata/properties" xmlns:xsi="http://www.w3.org/2001/XMLSchema-instance" xmlns:pc="http://schemas.microsoft.com/office/infopath/2007/PartnerControls">
+  <documentManagement>
+    <LegacyData xmlns="aaacb922-5235-4a66-b188-303b9b46fbd7" xsi:nil="true"/>
+    <TaxCatchAll xmlns="abd17da8-7562-4e78-8480-559f5ede032f">
+      <Value>1</Value>
+    </TaxCatchAll>
+    <_dlc_DocId xmlns="abd17da8-7562-4e78-8480-559f5ede032f">UKD3MR57PZNM-407103085-406584</_dlc_DocId>
+    <_dlc_DocIdUrl xmlns="abd17da8-7562-4e78-8480-559f5ede032f">
+      <Url>https://beisgov.sharepoint.com/sites/CarbonHydrogenandIndustryAnalysis/_layouts/15/DocIdRedir.aspx?ID=UKD3MR57PZNM-407103085-406584</Url>
+      <Description>UKD3MR57PZNM-407103085-406584</Description>
+    </_dlc_DocIdUrl>
+    <Government_x0020_Body xmlns="b413c3fd-5a3b-4239-b985-69032e371c04">BEIS</Government_x0020_Body>
+    <Date_x0020_Opened xmlns="b413c3fd-5a3b-4239-b985-69032e371c04">2024-08-13T17:02:51+00:00</Date_x0020_Opened>
+    <lcf76f155ced4ddcb4097134ff3c332f xmlns="249c3fad-5317-44e6-84cb-58514f942bf6">
+      <Terms xmlns="http://schemas.microsoft.com/office/infopath/2007/PartnerControls"/>
+    </lcf76f155ced4ddcb4097134ff3c332f>
+    <Descriptor xmlns="0063f72e-ace3-48fb-9c1f-5b513408b31f" xsi:nil="true"/>
+    <m975189f4ba442ecbf67d4147307b177 xmlns="abd17da8-7562-4e78-8480-559f5ede032f">
+      <Terms xmlns="http://schemas.microsoft.com/office/infopath/2007/PartnerControls">
+        <TermInfo xmlns="http://schemas.microsoft.com/office/infopath/2007/PartnerControls">
+          <TermName xmlns="http://schemas.microsoft.com/office/infopath/2007/PartnerControls">BEIS:Energy, Transformation and Clean Growth:Industrial Energy</TermName>
+          <TermId xmlns="http://schemas.microsoft.com/office/infopath/2007/PartnerControls">196d2126-cc91-40b4-bd0b-d2f757bf15bb</TermId>
+        </TermInfo>
+      </Terms>
+    </m975189f4ba442ecbf67d4147307b177>
+    <Security_x0020_Classification xmlns="0063f72e-ace3-48fb-9c1f-5b513408b31f">OFFICIAL</Security_x0020_Classification>
+    <Retention_x0020_Label xmlns="a8f60570-4bd3-4f2b-950b-a996de8ab151" xsi:nil="true"/>
+    <Date_x0020_Closed xmlns="b413c3fd-5a3b-4239-b985-69032e371c04" xsi:nil="true"/>
+  </documentManagement>
+</p:properties>
 </file>
 
-<file path=customXml/itemProps3.xml><?xml version="1.0" encoding="utf-8"?>
-<ds:datastoreItem xmlns:ds="http://schemas.openxmlformats.org/officeDocument/2006/customXml" ds:itemID="{0935B149-D746-49B3-AAE8-551B602B52E0}">
-  <ds:schemaRefs>
-    <ds:schemaRef ds:uri="http://schemas.microsoft.com/sharepoint/v3/contenttype/forms"/>
-  </ds:schemaRefs>
-</ds:datastoreItem>
+<file path=customXml/item4.xml><?xml version="1.0" encoding="utf-8"?>
+<?mso-contentType ?>
+<FormTemplates xmlns="http://schemas.microsoft.com/sharepoint/v3/contenttype/forms">
+  <Display>DocumentLibraryForm</Display>
+  <Edit>DocumentLibraryForm</Edit>
+  <New>DocumentLibraryForm</New>
+</FormTemplates>
 </file>
 
-<file path=customXml/itemProps4.xml><?xml version="1.0" encoding="utf-8"?>
+<file path=customXml/itemProps1.xml><?xml version="1.0" encoding="utf-8"?>
 <ds:datastoreItem xmlns:ds="http://schemas.openxmlformats.org/officeDocument/2006/customXml" ds:itemID="{0664FC0E-8393-47A7-A5B1-F4B83A808C2C}">
   <ds:schemaRefs>
     <ds:schemaRef ds:uri="0063f72e-ace3-48fb-9c1f-5b513408b31f"/>
@@ -35427,8 +35744,45 @@
 </ds:datastoreItem>
 </file>
 
+<file path=customXml/itemProps2.xml><?xml version="1.0" encoding="utf-8"?>
+<ds:datastoreItem xmlns:ds="http://schemas.openxmlformats.org/officeDocument/2006/customXml" ds:itemID="{FD75D685-6A8A-4715-BD28-18348DED9FD7}">
+  <ds:schemaRefs>
+    <ds:schemaRef ds:uri="http://schemas.microsoft.com/sharepoint/events"/>
+  </ds:schemaRefs>
+</ds:datastoreItem>
+</file>
+
+<file path=customXml/itemProps3.xml><?xml version="1.0" encoding="utf-8"?>
+<ds:datastoreItem xmlns:ds="http://schemas.openxmlformats.org/officeDocument/2006/customXml" ds:itemID="{17956B07-15A4-48DC-99CD-E9824545002E}">
+  <ds:schemaRefs>
+    <ds:schemaRef ds:uri="0063f72e-ace3-48fb-9c1f-5b513408b31f"/>
+    <ds:schemaRef ds:uri="http://www.w3.org/XML/1998/namespace"/>
+    <ds:schemaRef ds:uri="http://schemas.microsoft.com/office/infopath/2007/PartnerControls"/>
+    <ds:schemaRef ds:uri="http://schemas.openxmlformats.org/package/2006/metadata/core-properties"/>
+    <ds:schemaRef ds:uri="http://schemas.microsoft.com/office/2006/documentManagement/types"/>
+    <ds:schemaRef ds:uri="http://purl.org/dc/dcmitype/"/>
+    <ds:schemaRef ds:uri="http://purl.org/dc/elements/1.1/"/>
+    <ds:schemaRef ds:uri="http://purl.org/dc/terms/"/>
+    <ds:schemaRef ds:uri="http://schemas.microsoft.com/office/2006/metadata/properties"/>
+    <ds:schemaRef ds:uri="249c3fad-5317-44e6-84cb-58514f942bf6"/>
+    <ds:schemaRef ds:uri="aaacb922-5235-4a66-b188-303b9b46fbd7"/>
+    <ds:schemaRef ds:uri="a8f60570-4bd3-4f2b-950b-a996de8ab151"/>
+    <ds:schemaRef ds:uri="b413c3fd-5a3b-4239-b985-69032e371c04"/>
+    <ds:schemaRef ds:uri="abd17da8-7562-4e78-8480-559f5ede032f"/>
+  </ds:schemaRefs>
+</ds:datastoreItem>
+</file>
+
+<file path=customXml/itemProps4.xml><?xml version="1.0" encoding="utf-8"?>
+<ds:datastoreItem xmlns:ds="http://schemas.openxmlformats.org/officeDocument/2006/customXml" ds:itemID="{0935B149-D746-49B3-AAE8-551B602B52E0}">
+  <ds:schemaRefs>
+    <ds:schemaRef ds:uri="http://schemas.microsoft.com/sharepoint/v3/contenttype/forms"/>
+  </ds:schemaRefs>
+</ds:datastoreItem>
+</file>
+
 <file path=docMetadata/LabelInfo.xml><?xml version="1.0" encoding="utf-8"?>
 <clbl:labelList xmlns:clbl="http://schemas.microsoft.com/office/2020/mipLabelMetadata">
-  <clbl:label id="{fbd41ebe-fca6-4f2c-aecb-bf3a17e72416}" enabled="1" method="Privileged" siteId="{bf346810-9c7d-43de-a872-24a2ef3995a8}" contentBits="3" removed="0"/>
+  <clbl:label id="{fbd41ebe-fca6-4f2c-aecb-bf3a17e72416}" enabled="1" method="Privileged" siteId="{bf346810-9c7d-43de-a872-24a2ef3995a8}" removed="0"/>
 </clbl:labelList>
 </file>